--- a/lecture/slides/ECE_383_Lec18_2018.pptx
+++ b/lecture/slides/ECE_383_Lec18_2018.pptx
@@ -6,10 +6,10 @@
     <p:sldMasterId id="2147483687" r:id="rId2"/>
   </p:sldMasterIdLst>
   <p:notesMasterIdLst>
-    <p:notesMasterId r:id="rId71"/>
+    <p:notesMasterId r:id="rId72"/>
   </p:notesMasterIdLst>
   <p:handoutMasterIdLst>
-    <p:handoutMasterId r:id="rId72"/>
+    <p:handoutMasterId r:id="rId73"/>
   </p:handoutMasterIdLst>
   <p:sldIdLst>
     <p:sldId id="433" r:id="rId3"/>
@@ -79,7 +79,8 @@
     <p:sldId id="418" r:id="rId67"/>
     <p:sldId id="417" r:id="rId68"/>
     <p:sldId id="400" r:id="rId69"/>
-    <p:sldId id="412" r:id="rId70"/>
+    <p:sldId id="489" r:id="rId70"/>
+    <p:sldId id="412" r:id="rId71"/>
   </p:sldIdLst>
   <p:sldSz cx="9144000" cy="6858000" type="screen4x3"/>
   <p:notesSz cx="6985000" cy="9283700"/>
@@ -1124,7 +1125,7 @@
                 </a:solidFill>
               </a:rPr>
               <a:pPr/>
-              <a:t>2/23/2018</a:t>
+              <a:t>2/24/2018</a:t>
             </a:fld>
             <a:endParaRPr lang="en-US">
               <a:solidFill>
@@ -1326,7 +1327,7 @@
                 </a:solidFill>
               </a:rPr>
               <a:pPr/>
-              <a:t>2/23/2018</a:t>
+              <a:t>2/24/2018</a:t>
             </a:fld>
             <a:endParaRPr lang="en-US">
               <a:solidFill>
@@ -1538,7 +1539,7 @@
                 </a:solidFill>
               </a:rPr>
               <a:pPr/>
-              <a:t>2/23/2018</a:t>
+              <a:t>2/24/2018</a:t>
             </a:fld>
             <a:endParaRPr lang="en-US">
               <a:solidFill>
@@ -2043,7 +2044,7 @@
                 </a:spcAft>
                 <a:defRPr/>
               </a:pPr>
-              <a:t>23 February 2018</a:t>
+              <a:t>24 February 2018</a:t>
             </a:fld>
             <a:endParaRPr lang="en-US" sz="1800">
               <a:solidFill>
@@ -2308,7 +2309,7 @@
                 </a:spcAft>
                 <a:defRPr/>
               </a:pPr>
-              <a:t>23 February 2018</a:t>
+              <a:t>24 February 2018</a:t>
             </a:fld>
             <a:endParaRPr lang="en-US" sz="1800">
               <a:solidFill>
@@ -2662,7 +2663,7 @@
                 </a:spcAft>
                 <a:defRPr/>
               </a:pPr>
-              <a:t>23 February 2018</a:t>
+              <a:t>24 February 2018</a:t>
             </a:fld>
             <a:endParaRPr lang="en-US" sz="1800">
               <a:solidFill>
@@ -3155,7 +3156,7 @@
                 </a:spcAft>
                 <a:defRPr/>
               </a:pPr>
-              <a:t>23 February 2018</a:t>
+              <a:t>24 February 2018</a:t>
             </a:fld>
             <a:endParaRPr lang="en-US" sz="1800">
               <a:solidFill>
@@ -3339,7 +3340,7 @@
                 </a:spcAft>
                 <a:defRPr/>
               </a:pPr>
-              <a:t>23 February 2018</a:t>
+              <a:t>24 February 2018</a:t>
             </a:fld>
             <a:endParaRPr lang="en-US" sz="1800">
               <a:solidFill>
@@ -3500,7 +3501,7 @@
                 </a:spcAft>
                 <a:defRPr/>
               </a:pPr>
-              <a:t>23 February 2018</a:t>
+              <a:t>24 February 2018</a:t>
             </a:fld>
             <a:endParaRPr lang="en-US" sz="1800">
               <a:solidFill>
@@ -3843,7 +3844,7 @@
                 </a:spcAft>
                 <a:defRPr/>
               </a:pPr>
-              <a:t>23 February 2018</a:t>
+              <a:t>24 February 2018</a:t>
             </a:fld>
             <a:endParaRPr lang="en-US" sz="1800">
               <a:solidFill>
@@ -3982,7 +3983,7 @@
                 </a:solidFill>
               </a:rPr>
               <a:pPr/>
-              <a:t>2/23/2018</a:t>
+              <a:t>2/24/2018</a:t>
             </a:fld>
             <a:endParaRPr lang="en-US">
               <a:solidFill>
@@ -4365,7 +4366,7 @@
                 </a:spcAft>
                 <a:defRPr/>
               </a:pPr>
-              <a:t>23 February 2018</a:t>
+              <a:t>24 February 2018</a:t>
             </a:fld>
             <a:endParaRPr lang="en-US" sz="1800">
               <a:solidFill>
@@ -4601,7 +4602,7 @@
                 </a:spcAft>
                 <a:defRPr/>
               </a:pPr>
-              <a:t>23 February 2018</a:t>
+              <a:t>24 February 2018</a:t>
             </a:fld>
             <a:endParaRPr lang="en-US" sz="1800">
               <a:solidFill>
@@ -4847,7 +4848,7 @@
                 </a:spcAft>
                 <a:defRPr/>
               </a:pPr>
-              <a:t>23 February 2018</a:t>
+              <a:t>24 February 2018</a:t>
             </a:fld>
             <a:endParaRPr lang="en-US" sz="1800">
               <a:solidFill>
@@ -5061,7 +5062,7 @@
                 </a:spcAft>
                 <a:defRPr/>
               </a:pPr>
-              <a:t>23 February 2018</a:t>
+              <a:t>24 February 2018</a:t>
             </a:fld>
             <a:endParaRPr lang="en-US" sz="1800">
               <a:solidFill>
@@ -5276,7 +5277,7 @@
                 </a:solidFill>
               </a:rPr>
               <a:pPr/>
-              <a:t>2/23/2018</a:t>
+              <a:t>2/24/2018</a:t>
             </a:fld>
             <a:endParaRPr lang="en-US">
               <a:solidFill>
@@ -5596,7 +5597,7 @@
                 </a:solidFill>
               </a:rPr>
               <a:pPr/>
-              <a:t>2/23/2018</a:t>
+              <a:t>2/24/2018</a:t>
             </a:fld>
             <a:endParaRPr lang="en-US">
               <a:solidFill>
@@ -6050,7 +6051,7 @@
                 </a:solidFill>
               </a:rPr>
               <a:pPr/>
-              <a:t>2/23/2018</a:t>
+              <a:t>2/24/2018</a:t>
             </a:fld>
             <a:endParaRPr lang="en-US">
               <a:solidFill>
@@ -6200,7 +6201,7 @@
                 </a:solidFill>
               </a:rPr>
               <a:pPr/>
-              <a:t>2/23/2018</a:t>
+              <a:t>2/24/2018</a:t>
             </a:fld>
             <a:endParaRPr lang="en-US">
               <a:solidFill>
@@ -6327,7 +6328,7 @@
                 </a:solidFill>
               </a:rPr>
               <a:pPr/>
-              <a:t>2/23/2018</a:t>
+              <a:t>2/24/2018</a:t>
             </a:fld>
             <a:endParaRPr lang="en-US">
               <a:solidFill>
@@ -6636,7 +6637,7 @@
                 </a:solidFill>
               </a:rPr>
               <a:pPr/>
-              <a:t>2/23/2018</a:t>
+              <a:t>2/24/2018</a:t>
             </a:fld>
             <a:endParaRPr lang="en-US">
               <a:solidFill>
@@ -6921,7 +6922,7 @@
                 </a:solidFill>
               </a:rPr>
               <a:pPr/>
-              <a:t>2/23/2018</a:t>
+              <a:t>2/24/2018</a:t>
             </a:fld>
             <a:endParaRPr lang="en-US">
               <a:solidFill>
@@ -7182,7 +7183,7 @@
                   <a:spcPts val="0"/>
                 </a:spcAft>
               </a:pPr>
-              <a:t>2/23/2018</a:t>
+              <a:t>2/24/2018</a:t>
             </a:fld>
             <a:endParaRPr lang="en-US">
               <a:solidFill>
@@ -10407,11 +10408,7 @@
             </a:r>
             <a:r>
               <a:rPr lang="en-US" dirty="0" smtClean="0"/>
-              <a:t>Add </a:t>
-            </a:r>
-            <a:r>
-              <a:rPr lang="en-US" dirty="0" smtClean="0"/>
-              <a:t>the </a:t>
+              <a:t>Add the </a:t>
             </a:r>
             <a:r>
               <a:rPr lang="en-US" dirty="0" err="1" smtClean="0"/>
@@ -10419,19 +10416,7 @@
             </a:r>
             <a:r>
               <a:rPr lang="en-US" dirty="0" smtClean="0"/>
-              <a:t> 10 Counter to </a:t>
-            </a:r>
-            <a:r>
-              <a:rPr lang="en-US" dirty="0" smtClean="0"/>
-              <a:t>th</a:t>
-            </a:r>
-            <a:r>
-              <a:rPr lang="en-US" dirty="0" smtClean="0"/>
-              <a:t>e </a:t>
-            </a:r>
-            <a:r>
-              <a:rPr lang="en-US" dirty="0" smtClean="0"/>
-              <a:t>My_Counter_IP_v1_0</a:t>
+              <a:t> 10 Counter to the My_Counter_IP_v1_0</a:t>
             </a:r>
           </a:p>
           <a:p>
@@ -10452,11 +10437,7 @@
             </a:r>
             <a:r>
               <a:rPr lang="en-US" dirty="0" smtClean="0"/>
-              <a:t>lec18.vhd </a:t>
-            </a:r>
-            <a:r>
-              <a:rPr lang="en-US" dirty="0" smtClean="0"/>
-              <a:t>file</a:t>
+              <a:t>lec18.vhd file</a:t>
             </a:r>
           </a:p>
           <a:p>
@@ -10727,7 +10708,6 @@
               <a:rPr lang="en-US" b="0" dirty="0" smtClean="0"/>
               <a:t>Lines 20, 112-122, 671, 759-766</a:t>
             </a:r>
-            <a:endParaRPr lang="en-US" b="0" dirty="0" smtClean="0"/>
           </a:p>
           <a:p>
             <a:r>
@@ -16651,7 +16631,6 @@
               <a:rPr lang="en-US" dirty="0"/>
               <a:t>Packaging the IP core</a:t>
             </a:r>
-            <a:endParaRPr lang="en-US" dirty="0"/>
           </a:p>
         </p:txBody>
       </p:sp>
@@ -21298,11 +21277,7 @@
             <a:pPr lvl="1"/>
             <a:r>
               <a:rPr lang="en-US" b="0" dirty="0" smtClean="0"/>
-              <a:t>8.3) Right click </a:t>
-            </a:r>
-            <a:r>
-              <a:rPr lang="en-US" b="0" dirty="0" smtClean="0"/>
-              <a:t>on your </a:t>
+              <a:t>8.3) Right click on your </a:t>
             </a:r>
             <a:r>
               <a:rPr lang="en-US" dirty="0" err="1" smtClean="0"/>
@@ -24215,7 +24190,7 @@
                 </a:spcAft>
                 <a:defRPr/>
               </a:pPr>
-              <a:t>23 February 2018</a:t>
+              <a:t>24 February 2018</a:t>
             </a:fld>
             <a:endParaRPr lang="en-US" sz="1800">
               <a:solidFill>
@@ -27646,11 +27621,11 @@
   <p:clrMapOvr>
     <a:masterClrMapping/>
   </p:clrMapOvr>
-  <mc:AlternateContent xmlns:mc="http://schemas.openxmlformats.org/markup-compatibility/2006">
-    <mc:Choice xmlns:p14="http://schemas.microsoft.com/office/powerpoint/2010/main" Requires="p14">
+  <mc:AlternateContent xmlns:mc="http://schemas.openxmlformats.org/markup-compatibility/2006" xmlns:p14="http://schemas.microsoft.com/office/powerpoint/2010/main">
+    <mc:Choice Requires="p14">
       <p:transition spd="slow" p14:dur="2000"/>
     </mc:Choice>
-    <mc:Fallback>
+    <mc:Fallback xmlns="">
       <p:transition spd="slow"/>
     </mc:Fallback>
   </mc:AlternateContent>
@@ -28286,6 +28261,96 @@
               <a:rPr lang="en-US" b="0" dirty="0" smtClean="0"/>
               <a:t>Take a coffee break while it builds</a:t>
             </a:r>
+          </a:p>
+          <a:p>
+            <a:pPr marL="457200" indent="-457200">
+              <a:buFont typeface="+mj-lt"/>
+              <a:buAutoNum type="arabicPeriod"/>
+            </a:pPr>
+            <a:endParaRPr lang="en-US" b="0" dirty="0"/>
+          </a:p>
+          <a:p>
+            <a:pPr marL="0" indent="0">
+              <a:buNone/>
+            </a:pPr>
+            <a:r>
+              <a:rPr lang="en-US" b="0" dirty="0" smtClean="0"/>
+              <a:t>One MIG error is okay (more is not okay)</a:t>
+            </a:r>
+          </a:p>
+          <a:p>
+            <a:r>
+              <a:rPr lang="en-US" sz="1400" b="0" dirty="0" err="1" smtClean="0"/>
+              <a:t>apply_bd_automation</a:t>
+            </a:r>
+            <a:r>
+              <a:rPr lang="en-US" sz="1400" b="0" dirty="0" smtClean="0"/>
+              <a:t> </a:t>
+            </a:r>
+            <a:r>
+              <a:rPr lang="en-US" sz="1400" b="0" dirty="0"/>
+              <a:t>-rule xilinx.com:bd_rule:mig_7series -</a:t>
+            </a:r>
+            <a:r>
+              <a:rPr lang="en-US" sz="1400" b="0" dirty="0" err="1"/>
+              <a:t>config</a:t>
+            </a:r>
+            <a:r>
+              <a:rPr lang="en-US" sz="1400" b="0" dirty="0"/>
+              <a:t> {</a:t>
+            </a:r>
+            <a:r>
+              <a:rPr lang="en-US" sz="1400" b="0" dirty="0" err="1"/>
+              <a:t>Board_Interface</a:t>
+            </a:r>
+            <a:r>
+              <a:rPr lang="en-US" sz="1400" b="0" dirty="0"/>
+              <a:t> "ddr3_sdram" } [</a:t>
+            </a:r>
+            <a:r>
+              <a:rPr lang="en-US" sz="1400" b="0" dirty="0" err="1"/>
+              <a:t>get_bd_cells</a:t>
+            </a:r>
+            <a:r>
+              <a:rPr lang="en-US" sz="1400" b="0" dirty="0"/>
+              <a:t> mig_7series_0] </a:t>
+            </a:r>
+          </a:p>
+          <a:p>
+            <a:pPr lvl="1"/>
+            <a:r>
+              <a:rPr lang="en-US" sz="1400" b="0" dirty="0"/>
+              <a:t>[BD 41-1273] Error running </a:t>
+            </a:r>
+            <a:r>
+              <a:rPr lang="en-US" sz="1400" b="0" dirty="0" err="1"/>
+              <a:t>apply_rule</a:t>
+            </a:r>
+            <a:r>
+              <a:rPr lang="en-US" sz="1400" b="0" dirty="0"/>
+              <a:t> TCL procedure: can't read "</a:t>
+            </a:r>
+            <a:r>
+              <a:rPr lang="en-US" sz="1400" b="0" dirty="0" err="1"/>
+              <a:t>board_if</a:t>
+            </a:r>
+            <a:r>
+              <a:rPr lang="en-US" sz="1400" b="0" dirty="0"/>
+              <a:t>": no such variable ::xilinx.com_bd_rule_mig_7series::</a:t>
+            </a:r>
+            <a:r>
+              <a:rPr lang="en-US" sz="1400" b="0" dirty="0" err="1"/>
+              <a:t>apply_rule</a:t>
+            </a:r>
+            <a:r>
+              <a:rPr lang="en-US" sz="1400" b="0" dirty="0"/>
+              <a:t> Line 48 </a:t>
+            </a:r>
+          </a:p>
+          <a:p>
+            <a:pPr marL="0" indent="0">
+              <a:buNone/>
+            </a:pPr>
             <a:endParaRPr lang="en-US" b="0" dirty="0"/>
           </a:p>
         </p:txBody>
@@ -28426,7 +28491,35 @@
             </a:r>
             <a:r>
               <a:rPr lang="en-US" b="0" dirty="0" smtClean="0"/>
-              <a:t>…assuming no errors</a:t>
+              <a:t>… (</a:t>
+            </a:r>
+            <a:r>
+              <a:rPr lang="en-US" b="0" dirty="0" err="1" smtClean="0"/>
+              <a:t>File</a:t>
+            </a:r>
+            <a:r>
+              <a:rPr lang="en-US" b="0" dirty="0" err="1" smtClean="0">
+                <a:sym typeface="Wingdings" panose="05000000000000000000" pitchFamily="2" charset="2"/>
+              </a:rPr>
+              <a:t></a:t>
+            </a:r>
+            <a:r>
+              <a:rPr lang="en-US" dirty="0" err="1" smtClean="0">
+                <a:sym typeface="Wingdings" panose="05000000000000000000" pitchFamily="2" charset="2"/>
+              </a:rPr>
+              <a:t>Export</a:t>
+            </a:r>
+            <a:r>
+              <a:rPr lang="en-US" dirty="0" smtClean="0">
+                <a:sym typeface="Wingdings" panose="05000000000000000000" pitchFamily="2" charset="2"/>
+              </a:rPr>
+              <a:t> Hardware</a:t>
+            </a:r>
+            <a:r>
+              <a:rPr lang="en-US" b="0" dirty="0" smtClean="0">
+                <a:sym typeface="Wingdings" panose="05000000000000000000" pitchFamily="2" charset="2"/>
+              </a:rPr>
+              <a:t>)</a:t>
             </a:r>
             <a:endParaRPr lang="en-US" b="0" dirty="0"/>
           </a:p>
@@ -30278,11 +30371,7 @@
             </a:pPr>
             <a:r>
               <a:rPr lang="en-US" b="0" dirty="0" smtClean="0"/>
-              <a:t>Create and package new custom IP (your custom </a:t>
-            </a:r>
-            <a:r>
-              <a:rPr lang="en-US" b="0" dirty="0" smtClean="0"/>
-              <a:t>hardware, which is a </a:t>
+              <a:t>Create and package new custom IP (your custom hardware, which is a </a:t>
             </a:r>
             <a:r>
               <a:rPr lang="en-US" dirty="0" err="1" smtClean="0"/>
@@ -30290,11 +30379,7 @@
             </a:r>
             <a:r>
               <a:rPr lang="en-US" b="0" dirty="0" smtClean="0"/>
-              <a:t>) </a:t>
-            </a:r>
-            <a:r>
-              <a:rPr lang="en-US" b="0" dirty="0" smtClean="0"/>
-              <a:t>and import it into your </a:t>
+              <a:t>) and import it into your </a:t>
             </a:r>
             <a:r>
               <a:rPr lang="en-US" b="0" dirty="0" err="1" smtClean="0"/>
@@ -33843,6 +33928,371 @@
           <a:lstStyle/>
           <a:p>
             <a:r>
+              <a:rPr lang="en-US" dirty="0" smtClean="0"/>
+              <a:t>Test program using UART</a:t>
+            </a:r>
+            <a:endParaRPr lang="en-US" dirty="0"/>
+          </a:p>
+        </p:txBody>
+      </p:sp>
+      <p:sp>
+        <p:nvSpPr>
+          <p:cNvPr id="3" name="Content Placeholder 2"/>
+          <p:cNvSpPr>
+            <a:spLocks noGrp="1"/>
+          </p:cNvSpPr>
+          <p:nvPr>
+            <p:ph idx="1"/>
+          </p:nvPr>
+        </p:nvSpPr>
+        <p:spPr/>
+        <p:txBody>
+          <a:bodyPr/>
+          <a:lstStyle/>
+          <a:p>
+            <a:r>
+              <a:rPr lang="en-US" sz="1400" b="0" dirty="0" smtClean="0"/>
+              <a:t>Run </a:t>
+            </a:r>
+            <a:r>
+              <a:rPr lang="en-US" sz="1400" b="0" dirty="0"/>
+              <a:t>Configuration Settings for STDIO Connection</a:t>
+            </a:r>
+          </a:p>
+          <a:p>
+            <a:pPr lvl="1"/>
+            <a:r>
+              <a:rPr lang="en-US" sz="1400" b="0" dirty="0" smtClean="0"/>
+              <a:t>From </a:t>
+            </a:r>
+            <a:r>
+              <a:rPr lang="en-US" sz="1400" b="0" dirty="0"/>
+              <a:t>the Project Explorer panel, right click on the </a:t>
+            </a:r>
+            <a:r>
+              <a:rPr lang="en-US" sz="1400" dirty="0" smtClean="0"/>
+              <a:t>Lecture18_counter </a:t>
+            </a:r>
+            <a:r>
+              <a:rPr lang="en-US" sz="1400" b="0" dirty="0"/>
+              <a:t>project folder. At the bottom of the drop down list, select </a:t>
+            </a:r>
+            <a:r>
+              <a:rPr lang="en-US" sz="1400" dirty="0"/>
+              <a:t>Run As </a:t>
+            </a:r>
+            <a:r>
+              <a:rPr lang="en-US" sz="1400" b="0" dirty="0"/>
+              <a:t>and then select </a:t>
+            </a:r>
+            <a:r>
+              <a:rPr lang="en-US" sz="1400" dirty="0"/>
+              <a:t>Run Configurations</a:t>
+            </a:r>
+            <a:r>
+              <a:rPr lang="en-US" sz="1400" b="0" dirty="0"/>
+              <a:t>.</a:t>
+            </a:r>
+          </a:p>
+          <a:p>
+            <a:endParaRPr lang="en-US" sz="1400" b="0" dirty="0"/>
+          </a:p>
+          <a:p>
+            <a:r>
+              <a:rPr lang="en-US" sz="1400" b="0" dirty="0"/>
+              <a:t>The Run Configurations window is divided into two main sections. In the left panel, under Xilinx C/C++ application(GDB), select </a:t>
+            </a:r>
+            <a:r>
+              <a:rPr lang="en-US" sz="1400" dirty="0" smtClean="0"/>
+              <a:t>Lecture18_counter.elf</a:t>
+            </a:r>
+            <a:r>
+              <a:rPr lang="en-US" sz="1400" b="0" dirty="0"/>
+              <a:t> </a:t>
+            </a:r>
+            <a:r>
+              <a:rPr lang="en-US" sz="1400" b="0" dirty="0" smtClean="0"/>
+              <a:t>or</a:t>
+            </a:r>
+            <a:r>
+              <a:rPr lang="en-US" sz="1400" dirty="0" smtClean="0"/>
+              <a:t> Lecture18_counter Debug</a:t>
+            </a:r>
+          </a:p>
+          <a:p>
+            <a:endParaRPr lang="en-US" sz="1400" b="0" dirty="0"/>
+          </a:p>
+          <a:p>
+            <a:r>
+              <a:rPr lang="en-US" sz="1400" b="0" dirty="0"/>
+              <a:t>On the right side of this window, you will see five main tabs. Select the </a:t>
+            </a:r>
+            <a:r>
+              <a:rPr lang="en-US" sz="1400" dirty="0"/>
+              <a:t>STDIO Connection tab</a:t>
+            </a:r>
+            <a:r>
+              <a:rPr lang="en-US" sz="1400" b="0" dirty="0"/>
+              <a:t>.</a:t>
+            </a:r>
+          </a:p>
+          <a:p>
+            <a:endParaRPr lang="en-US" sz="1400" b="0" dirty="0"/>
+          </a:p>
+          <a:p>
+            <a:r>
+              <a:rPr lang="en-US" sz="1400" b="0" dirty="0" smtClean="0"/>
+              <a:t>COM </a:t>
+            </a:r>
+            <a:r>
+              <a:rPr lang="en-US" sz="1400" b="0" dirty="0"/>
+              <a:t>Port Selection for STDIO Connection</a:t>
+            </a:r>
+          </a:p>
+          <a:p>
+            <a:pPr lvl="1"/>
+            <a:r>
+              <a:rPr lang="en-US" sz="1400" b="0" dirty="0" smtClean="0"/>
+              <a:t>Port </a:t>
+            </a:r>
+            <a:r>
+              <a:rPr lang="en-US" sz="1400" b="0" dirty="0"/>
+              <a:t>name </a:t>
+            </a:r>
+            <a:r>
+              <a:rPr lang="en-US" sz="1400" b="0" dirty="0" smtClean="0"/>
+              <a:t>should be </a:t>
+            </a:r>
+            <a:r>
+              <a:rPr lang="en-US" sz="1400" b="0" dirty="0"/>
+              <a:t>the correct UART port. For me it showed up as COM4. Select Baud Rate as 9600. Have the </a:t>
+            </a:r>
+            <a:r>
+              <a:rPr lang="en-US" sz="1400" dirty="0"/>
+              <a:t>Connect STDIO to Console </a:t>
+            </a:r>
+            <a:r>
+              <a:rPr lang="en-US" sz="1400" b="0" dirty="0"/>
+              <a:t>box checked.  (uncheck if you want to use another terminal emulator)</a:t>
+            </a:r>
+          </a:p>
+          <a:p>
+            <a:r>
+              <a:rPr lang="en-US" sz="1400" b="0" dirty="0"/>
+              <a:t>Now click on </a:t>
+            </a:r>
+            <a:r>
+              <a:rPr lang="en-US" sz="1400" dirty="0"/>
+              <a:t>Apply</a:t>
+            </a:r>
+            <a:r>
+              <a:rPr lang="en-US" sz="1400" b="0" dirty="0"/>
+              <a:t> and </a:t>
+            </a:r>
+            <a:r>
+              <a:rPr lang="en-US" sz="1400" dirty="0"/>
+              <a:t>Run</a:t>
+            </a:r>
+            <a:r>
+              <a:rPr lang="en-US" sz="1400" b="0" dirty="0"/>
+              <a:t>.</a:t>
+            </a:r>
+          </a:p>
+          <a:p>
+            <a:r>
+              <a:rPr lang="en-US" sz="1400" b="0" dirty="0" smtClean="0"/>
+              <a:t>“</a:t>
+            </a:r>
+            <a:r>
+              <a:rPr lang="en-US" sz="1400" dirty="0"/>
+              <a:t>Welcome to Lecture </a:t>
+            </a:r>
+            <a:r>
+              <a:rPr lang="en-US" sz="1400" dirty="0" smtClean="0"/>
+              <a:t>18</a:t>
+            </a:r>
+            <a:r>
+              <a:rPr lang="en-US" sz="1400" b="0" dirty="0" smtClean="0"/>
+              <a:t>” </a:t>
+            </a:r>
+            <a:r>
+              <a:rPr lang="en-US" sz="1400" b="0" dirty="0"/>
+              <a:t>will be displayed on the Console </a:t>
+            </a:r>
+            <a:r>
+              <a:rPr lang="en-US" sz="1400" b="0" dirty="0" smtClean="0"/>
+              <a:t>tab</a:t>
+            </a:r>
+          </a:p>
+          <a:p>
+            <a:pPr lvl="1"/>
+            <a:r>
+              <a:rPr lang="en-US" sz="1400" b="0" dirty="0" smtClean="0"/>
+              <a:t>Type “?” </a:t>
+            </a:r>
+            <a:r>
+              <a:rPr lang="en-US" sz="1400" b="0" dirty="0"/>
+              <a:t>t</a:t>
+            </a:r>
+            <a:r>
+              <a:rPr lang="en-US" sz="1400" b="0" dirty="0" smtClean="0"/>
+              <a:t>o see list of commands to control the counter and LEDs</a:t>
+            </a:r>
+            <a:endParaRPr lang="en-US" sz="1400" b="0" dirty="0"/>
+          </a:p>
+          <a:p>
+            <a:endParaRPr lang="en-US" sz="1200" b="0" dirty="0"/>
+          </a:p>
+        </p:txBody>
+      </p:sp>
+      <p:sp>
+        <p:nvSpPr>
+          <p:cNvPr id="4" name="Slide Number Placeholder 3"/>
+          <p:cNvSpPr>
+            <a:spLocks noGrp="1"/>
+          </p:cNvSpPr>
+          <p:nvPr>
+            <p:ph type="sldNum" sz="quarter" idx="10"/>
+          </p:nvPr>
+        </p:nvSpPr>
+        <p:spPr/>
+        <p:txBody>
+          <a:bodyPr/>
+          <a:lstStyle/>
+          <a:p>
+            <a:pPr>
+              <a:defRPr/>
+            </a:pPr>
+            <a:fld id="{62D6D4B2-7611-498F-8780-1EDC26277454}" type="slidenum">
+              <a:rPr lang="en-US" smtClean="0">
+                <a:solidFill>
+                  <a:srgbClr val="000000"/>
+                </a:solidFill>
+              </a:rPr>
+              <a:pPr>
+                <a:defRPr/>
+              </a:pPr>
+              <a:t>68</a:t>
+            </a:fld>
+            <a:endParaRPr lang="en-US" dirty="0">
+              <a:solidFill>
+                <a:srgbClr val="000000"/>
+              </a:solidFill>
+            </a:endParaRPr>
+          </a:p>
+        </p:txBody>
+      </p:sp>
+      <p:sp>
+        <p:nvSpPr>
+          <p:cNvPr id="5" name="Date Placeholder 4"/>
+          <p:cNvSpPr>
+            <a:spLocks noGrp="1"/>
+          </p:cNvSpPr>
+          <p:nvPr>
+            <p:ph type="dt" sz="half" idx="11"/>
+          </p:nvPr>
+        </p:nvSpPr>
+        <p:spPr/>
+        <p:txBody>
+          <a:bodyPr/>
+          <a:lstStyle/>
+          <a:p>
+            <a:pPr fontAlgn="auto">
+              <a:spcBef>
+                <a:spcPts val="0"/>
+              </a:spcBef>
+              <a:spcAft>
+                <a:spcPts val="0"/>
+              </a:spcAft>
+              <a:defRPr/>
+            </a:pPr>
+            <a:endParaRPr lang="en-US" sz="1800" smtClean="0">
+              <a:solidFill>
+                <a:srgbClr val="000000"/>
+              </a:solidFill>
+            </a:endParaRPr>
+          </a:p>
+          <a:p>
+            <a:pPr fontAlgn="auto">
+              <a:spcBef>
+                <a:spcPts val="0"/>
+              </a:spcBef>
+              <a:spcAft>
+                <a:spcPts val="0"/>
+              </a:spcAft>
+              <a:defRPr/>
+            </a:pPr>
+            <a:fld id="{D957A480-45FD-4E4A-ABAC-1E7EB071E91C}" type="datetime3">
+              <a:rPr lang="en-US" sz="1800" smtClean="0">
+                <a:solidFill>
+                  <a:srgbClr val="000000"/>
+                </a:solidFill>
+              </a:rPr>
+              <a:pPr fontAlgn="auto">
+                <a:spcBef>
+                  <a:spcPts val="0"/>
+                </a:spcBef>
+                <a:spcAft>
+                  <a:spcPts val="0"/>
+                </a:spcAft>
+                <a:defRPr/>
+              </a:pPr>
+              <a:t>24 February 2018</a:t>
+            </a:fld>
+            <a:endParaRPr lang="en-US" sz="1800">
+              <a:solidFill>
+                <a:srgbClr val="000000"/>
+              </a:solidFill>
+            </a:endParaRPr>
+          </a:p>
+        </p:txBody>
+      </p:sp>
+    </p:spTree>
+    <p:extLst>
+      <p:ext uri="{BB962C8B-B14F-4D97-AF65-F5344CB8AC3E}">
+        <p14:creationId xmlns:p14="http://schemas.microsoft.com/office/powerpoint/2010/main" val="4157639474"/>
+      </p:ext>
+    </p:extLst>
+  </p:cSld>
+  <p:clrMapOvr>
+    <a:masterClrMapping/>
+  </p:clrMapOvr>
+</p:sld>
+</file>
+
+<file path=ppt/slides/slide69.xml><?xml version="1.0" encoding="utf-8"?>
+<p:sld xmlns:a="http://schemas.openxmlformats.org/drawingml/2006/main" xmlns:r="http://schemas.openxmlformats.org/officeDocument/2006/relationships" xmlns:p="http://schemas.openxmlformats.org/presentationml/2006/main">
+  <p:cSld>
+    <p:spTree>
+      <p:nvGrpSpPr>
+        <p:cNvPr id="1" name=""/>
+        <p:cNvGrpSpPr/>
+        <p:nvPr/>
+      </p:nvGrpSpPr>
+      <p:grpSpPr>
+        <a:xfrm>
+          <a:off x="0" y="0"/>
+          <a:ext cx="0" cy="0"/>
+          <a:chOff x="0" y="0"/>
+          <a:chExt cx="0" cy="0"/>
+        </a:xfrm>
+      </p:grpSpPr>
+      <p:sp>
+        <p:nvSpPr>
+          <p:cNvPr id="2" name="Title 1"/>
+          <p:cNvSpPr>
+            <a:spLocks noGrp="1"/>
+          </p:cNvSpPr>
+          <p:nvPr>
+            <p:ph type="title"/>
+          </p:nvPr>
+        </p:nvSpPr>
+        <p:spPr/>
+        <p:txBody>
+          <a:bodyPr/>
+          <a:lstStyle/>
+          <a:p>
+            <a:r>
               <a:rPr lang="en-US" dirty="0" err="1"/>
               <a:t>MicroBlaze</a:t>
             </a:r>
@@ -33949,7 +34399,7 @@
               <a:pPr>
                 <a:defRPr/>
               </a:pPr>
-              <a:t>68</a:t>
+              <a:t>69</a:t>
             </a:fld>
             <a:endParaRPr lang="en-US" dirty="0">
               <a:solidFill>
@@ -34207,11 +34657,11 @@
   <p:clrMapOvr>
     <a:masterClrMapping/>
   </p:clrMapOvr>
-  <mc:AlternateContent xmlns:mc="http://schemas.openxmlformats.org/markup-compatibility/2006">
-    <mc:Choice xmlns:p14="http://schemas.microsoft.com/office/powerpoint/2010/main" Requires="p14">
+  <mc:AlternateContent xmlns:mc="http://schemas.openxmlformats.org/markup-compatibility/2006" xmlns:p14="http://schemas.microsoft.com/office/powerpoint/2010/main">
+    <mc:Choice Requires="p14">
       <p:transition spd="slow" p14:dur="2000"/>
     </mc:Choice>
-    <mc:Fallback>
+    <mc:Fallback xmlns="">
       <p:transition spd="slow"/>
     </mc:Fallback>
   </mc:AlternateContent>
@@ -34461,11 +34911,11 @@
   <p:clrMapOvr>
     <a:masterClrMapping/>
   </p:clrMapOvr>
-  <mc:AlternateContent xmlns:mc="http://schemas.openxmlformats.org/markup-compatibility/2006">
-    <mc:Choice xmlns:p14="http://schemas.microsoft.com/office/powerpoint/2010/main" Requires="p14">
+  <mc:AlternateContent xmlns:mc="http://schemas.openxmlformats.org/markup-compatibility/2006" xmlns:p14="http://schemas.microsoft.com/office/powerpoint/2010/main">
+    <mc:Choice Requires="p14">
       <p:transition spd="slow" p14:dur="2000"/>
     </mc:Choice>
-    <mc:Fallback>
+    <mc:Fallback xmlns="">
       <p:transition spd="slow"/>
     </mc:Fallback>
   </mc:AlternateContent>
@@ -34530,11 +34980,7 @@
             </a:r>
             <a:r>
               <a:rPr lang="en-US" dirty="0" smtClean="0"/>
-              <a:t>Create and Package Custom </a:t>
-            </a:r>
-            <a:r>
-              <a:rPr lang="en-US" dirty="0" smtClean="0"/>
-              <a:t>IP (</a:t>
+              <a:t>Create and Package Custom IP (</a:t>
             </a:r>
             <a:r>
               <a:rPr lang="en-US" dirty="0" err="1" smtClean="0"/>

--- a/lecture/slides/ECE_383_Lec18_2018.pptx
+++ b/lecture/slides/ECE_383_Lec18_2018.pptx
@@ -6,10 +6,10 @@
     <p:sldMasterId id="2147483687" r:id="rId2"/>
   </p:sldMasterIdLst>
   <p:notesMasterIdLst>
-    <p:notesMasterId r:id="rId70"/>
+    <p:notesMasterId r:id="rId71"/>
   </p:notesMasterIdLst>
   <p:handoutMasterIdLst>
-    <p:handoutMasterId r:id="rId71"/>
+    <p:handoutMasterId r:id="rId72"/>
   </p:handoutMasterIdLst>
   <p:sldIdLst>
     <p:sldId id="433" r:id="rId3"/>
@@ -78,7 +78,8 @@
     <p:sldId id="417" r:id="rId66"/>
     <p:sldId id="400" r:id="rId67"/>
     <p:sldId id="489" r:id="rId68"/>
-    <p:sldId id="412" r:id="rId69"/>
+    <p:sldId id="493" r:id="rId69"/>
+    <p:sldId id="491" r:id="rId70"/>
   </p:sldIdLst>
   <p:sldSz cx="9144000" cy="6858000" type="screen4x3"/>
   <p:notesSz cx="6985000" cy="9283700"/>
@@ -1123,7 +1124,7 @@
                 </a:solidFill>
               </a:rPr>
               <a:pPr/>
-              <a:t>2/24/2018</a:t>
+              <a:t>2/25/2018</a:t>
             </a:fld>
             <a:endParaRPr lang="en-US">
               <a:solidFill>
@@ -1325,7 +1326,7 @@
                 </a:solidFill>
               </a:rPr>
               <a:pPr/>
-              <a:t>2/24/2018</a:t>
+              <a:t>2/25/2018</a:t>
             </a:fld>
             <a:endParaRPr lang="en-US">
               <a:solidFill>
@@ -1537,7 +1538,7 @@
                 </a:solidFill>
               </a:rPr>
               <a:pPr/>
-              <a:t>2/24/2018</a:t>
+              <a:t>2/25/2018</a:t>
             </a:fld>
             <a:endParaRPr lang="en-US">
               <a:solidFill>
@@ -2042,7 +2043,7 @@
                 </a:spcAft>
                 <a:defRPr/>
               </a:pPr>
-              <a:t>24 February 2018</a:t>
+              <a:t>25 February 2018</a:t>
             </a:fld>
             <a:endParaRPr lang="en-US" sz="1800">
               <a:solidFill>
@@ -2307,7 +2308,7 @@
                 </a:spcAft>
                 <a:defRPr/>
               </a:pPr>
-              <a:t>24 February 2018</a:t>
+              <a:t>25 February 2018</a:t>
             </a:fld>
             <a:endParaRPr lang="en-US" sz="1800">
               <a:solidFill>
@@ -2661,7 +2662,7 @@
                 </a:spcAft>
                 <a:defRPr/>
               </a:pPr>
-              <a:t>24 February 2018</a:t>
+              <a:t>25 February 2018</a:t>
             </a:fld>
             <a:endParaRPr lang="en-US" sz="1800">
               <a:solidFill>
@@ -3154,7 +3155,7 @@
                 </a:spcAft>
                 <a:defRPr/>
               </a:pPr>
-              <a:t>24 February 2018</a:t>
+              <a:t>25 February 2018</a:t>
             </a:fld>
             <a:endParaRPr lang="en-US" sz="1800">
               <a:solidFill>
@@ -3338,7 +3339,7 @@
                 </a:spcAft>
                 <a:defRPr/>
               </a:pPr>
-              <a:t>24 February 2018</a:t>
+              <a:t>25 February 2018</a:t>
             </a:fld>
             <a:endParaRPr lang="en-US" sz="1800">
               <a:solidFill>
@@ -3499,7 +3500,7 @@
                 </a:spcAft>
                 <a:defRPr/>
               </a:pPr>
-              <a:t>24 February 2018</a:t>
+              <a:t>25 February 2018</a:t>
             </a:fld>
             <a:endParaRPr lang="en-US" sz="1800">
               <a:solidFill>
@@ -3842,7 +3843,7 @@
                 </a:spcAft>
                 <a:defRPr/>
               </a:pPr>
-              <a:t>24 February 2018</a:t>
+              <a:t>25 February 2018</a:t>
             </a:fld>
             <a:endParaRPr lang="en-US" sz="1800">
               <a:solidFill>
@@ -3981,7 +3982,7 @@
                 </a:solidFill>
               </a:rPr>
               <a:pPr/>
-              <a:t>2/24/2018</a:t>
+              <a:t>2/25/2018</a:t>
             </a:fld>
             <a:endParaRPr lang="en-US">
               <a:solidFill>
@@ -4364,7 +4365,7 @@
                 </a:spcAft>
                 <a:defRPr/>
               </a:pPr>
-              <a:t>24 February 2018</a:t>
+              <a:t>25 February 2018</a:t>
             </a:fld>
             <a:endParaRPr lang="en-US" sz="1800">
               <a:solidFill>
@@ -4600,7 +4601,7 @@
                 </a:spcAft>
                 <a:defRPr/>
               </a:pPr>
-              <a:t>24 February 2018</a:t>
+              <a:t>25 February 2018</a:t>
             </a:fld>
             <a:endParaRPr lang="en-US" sz="1800">
               <a:solidFill>
@@ -4846,7 +4847,7 @@
                 </a:spcAft>
                 <a:defRPr/>
               </a:pPr>
-              <a:t>24 February 2018</a:t>
+              <a:t>25 February 2018</a:t>
             </a:fld>
             <a:endParaRPr lang="en-US" sz="1800">
               <a:solidFill>
@@ -5060,7 +5061,7 @@
                 </a:spcAft>
                 <a:defRPr/>
               </a:pPr>
-              <a:t>24 February 2018</a:t>
+              <a:t>25 February 2018</a:t>
             </a:fld>
             <a:endParaRPr lang="en-US" sz="1800">
               <a:solidFill>
@@ -5275,7 +5276,7 @@
                 </a:solidFill>
               </a:rPr>
               <a:pPr/>
-              <a:t>2/24/2018</a:t>
+              <a:t>2/25/2018</a:t>
             </a:fld>
             <a:endParaRPr lang="en-US">
               <a:solidFill>
@@ -5595,7 +5596,7 @@
                 </a:solidFill>
               </a:rPr>
               <a:pPr/>
-              <a:t>2/24/2018</a:t>
+              <a:t>2/25/2018</a:t>
             </a:fld>
             <a:endParaRPr lang="en-US">
               <a:solidFill>
@@ -6049,7 +6050,7 @@
                 </a:solidFill>
               </a:rPr>
               <a:pPr/>
-              <a:t>2/24/2018</a:t>
+              <a:t>2/25/2018</a:t>
             </a:fld>
             <a:endParaRPr lang="en-US">
               <a:solidFill>
@@ -6199,7 +6200,7 @@
                 </a:solidFill>
               </a:rPr>
               <a:pPr/>
-              <a:t>2/24/2018</a:t>
+              <a:t>2/25/2018</a:t>
             </a:fld>
             <a:endParaRPr lang="en-US">
               <a:solidFill>
@@ -6326,7 +6327,7 @@
                 </a:solidFill>
               </a:rPr>
               <a:pPr/>
-              <a:t>2/24/2018</a:t>
+              <a:t>2/25/2018</a:t>
             </a:fld>
             <a:endParaRPr lang="en-US">
               <a:solidFill>
@@ -6635,7 +6636,7 @@
                 </a:solidFill>
               </a:rPr>
               <a:pPr/>
-              <a:t>2/24/2018</a:t>
+              <a:t>2/25/2018</a:t>
             </a:fld>
             <a:endParaRPr lang="en-US">
               <a:solidFill>
@@ -6920,7 +6921,7 @@
                 </a:solidFill>
               </a:rPr>
               <a:pPr/>
-              <a:t>2/24/2018</a:t>
+              <a:t>2/25/2018</a:t>
             </a:fld>
             <a:endParaRPr lang="en-US">
               <a:solidFill>
@@ -7181,7 +7182,7 @@
                   <a:spcPts val="0"/>
                 </a:spcAft>
               </a:pPr>
-              <a:t>2/24/2018</a:t>
+              <a:t>2/25/2018</a:t>
             </a:fld>
             <a:endParaRPr lang="en-US">
               <a:solidFill>
@@ -17701,7 +17702,15 @@
             </a:r>
             <a:r>
               <a:rPr lang="en-US" b="0" dirty="0" smtClean="0"/>
-              <a:t>      button to add our </a:t>
+              <a:t>      button to add </a:t>
+            </a:r>
+            <a:r>
+              <a:rPr lang="en-US" b="0" dirty="0" smtClean="0"/>
+              <a:t>your</a:t>
+            </a:r>
+            <a:r>
+              <a:rPr lang="en-US" b="0" dirty="0" smtClean="0"/>
+              <a:t> </a:t>
             </a:r>
             <a:r>
               <a:rPr lang="en-US" dirty="0" err="1" smtClean="0"/>
@@ -17991,9 +18000,28 @@
             </a:br>
             <a:r>
               <a:rPr lang="en-US" dirty="0" smtClean="0"/>
-              <a:t>what you are building today</a:t>
-            </a:r>
-            <a:endParaRPr lang="en-US" dirty="0"/>
+              <a:t>what you are building </a:t>
+            </a:r>
+            <a:r>
+              <a:rPr lang="en-US" dirty="0" smtClean="0"/>
+              <a:t>today</a:t>
+            </a:r>
+            <a:br>
+              <a:rPr lang="en-US" dirty="0" smtClean="0"/>
+            </a:br>
+            <a:r>
+              <a:rPr lang="en-US" sz="1600" dirty="0" smtClean="0"/>
+              <a:t>(1</a:t>
+            </a:r>
+            <a:r>
+              <a:rPr lang="en-US" sz="1600" baseline="30000" dirty="0" smtClean="0"/>
+              <a:t>st</a:t>
+            </a:r>
+            <a:r>
+              <a:rPr lang="en-US" sz="1600" dirty="0" smtClean="0"/>
+              <a:t> without the “roll”; then add “roll” in HW#10)</a:t>
+            </a:r>
+            <a:endParaRPr lang="en-US" sz="1600" dirty="0"/>
           </a:p>
         </p:txBody>
       </p:sp>
@@ -21761,7 +21789,11 @@
           <a:p>
             <a:r>
               <a:rPr lang="en-US" b="0" dirty="0" smtClean="0"/>
-              <a:t>Right click on </a:t>
+              <a:t>click </a:t>
+            </a:r>
+            <a:r>
+              <a:rPr lang="en-US" b="0" dirty="0" smtClean="0"/>
+              <a:t>on </a:t>
             </a:r>
             <a:r>
               <a:rPr lang="en-US" dirty="0" err="1" smtClean="0"/>
@@ -22882,10 +22914,6 @@
               <a:rPr lang="en-US" dirty="0" smtClean="0"/>
               <a:t>Generate </a:t>
             </a:r>
-            <a:r>
-              <a:rPr lang="en-US" b="0" dirty="0" smtClean="0"/>
-              <a:t>(global? Or default?)</a:t>
-            </a:r>
             <a:endParaRPr lang="en-US" dirty="0"/>
           </a:p>
         </p:txBody>
@@ -23537,7 +23565,7 @@
                 </a:spcAft>
                 <a:defRPr/>
               </a:pPr>
-              <a:t>24 February 2018</a:t>
+              <a:t>25 February 2018</a:t>
             </a:fld>
             <a:endParaRPr lang="en-US" sz="1800">
               <a:solidFill>
@@ -30328,33 +30356,25 @@
             <a:pPr lvl="1"/>
             <a:r>
               <a:rPr lang="en-US" sz="1400" b="0" dirty="0" smtClean="0"/>
-              <a:t>Port </a:t>
+              <a:t>Port name should be the correct UART port. For me it showed up as COM4. Select Baud Rate as 9600. Have the </a:t>
+            </a:r>
+            <a:r>
+              <a:rPr lang="en-US" sz="1400" dirty="0" smtClean="0"/>
+              <a:t>Connect STDIO to Console </a:t>
+            </a:r>
+            <a:r>
+              <a:rPr lang="en-US" sz="1400" b="0" dirty="0" smtClean="0"/>
+              <a:t>box checked.  (uncheck if you want to use another terminal emulator)</a:t>
+            </a:r>
+          </a:p>
+          <a:p>
+            <a:r>
+              <a:rPr lang="en-US" sz="1400" b="0" dirty="0" smtClean="0"/>
+              <a:t>Now </a:t>
             </a:r>
             <a:r>
               <a:rPr lang="en-US" sz="1400" b="0" dirty="0"/>
-              <a:t>name </a:t>
-            </a:r>
-            <a:r>
-              <a:rPr lang="en-US" sz="1400" b="0" dirty="0" smtClean="0"/>
-              <a:t>should be </a:t>
-            </a:r>
-            <a:r>
-              <a:rPr lang="en-US" sz="1400" b="0" dirty="0"/>
-              <a:t>the correct UART port. For me it showed up as COM4. Select Baud Rate as 9600. Have the </a:t>
-            </a:r>
-            <a:r>
-              <a:rPr lang="en-US" sz="1400" dirty="0"/>
-              <a:t>Connect STDIO to Console </a:t>
-            </a:r>
-            <a:r>
-              <a:rPr lang="en-US" sz="1400" b="0" dirty="0"/>
-              <a:t>box checked.  (uncheck if you want to use another terminal emulator)</a:t>
-            </a:r>
-          </a:p>
-          <a:p>
-            <a:r>
-              <a:rPr lang="en-US" sz="1400" b="0" dirty="0"/>
-              <a:t>Now click on </a:t>
+              <a:t>click on </a:t>
             </a:r>
             <a:r>
               <a:rPr lang="en-US" sz="1400" dirty="0"/>
@@ -30512,7 +30532,7 @@
                 </a:spcAft>
                 <a:defRPr/>
               </a:pPr>
-              <a:t>24 February 2018</a:t>
+              <a:t>25 February 2018</a:t>
             </a:fld>
             <a:endParaRPr lang="en-US" sz="1800">
               <a:solidFill>
@@ -30573,78 +30593,2284 @@
             </a:r>
             <a:r>
               <a:rPr lang="en-US" dirty="0"/>
-              <a:t> + Custom IP</a:t>
-            </a:r>
-          </a:p>
-        </p:txBody>
-      </p:sp>
-      <p:sp>
-        <p:nvSpPr>
-          <p:cNvPr id="4" name="Content Placeholder 3"/>
-          <p:cNvSpPr>
-            <a:spLocks noGrp="1"/>
-          </p:cNvSpPr>
-          <p:nvPr>
-            <p:ph idx="1"/>
-          </p:nvPr>
+              <a:t> + Custom </a:t>
+            </a:r>
+            <a:r>
+              <a:rPr lang="en-US" dirty="0" smtClean="0"/>
+              <a:t>IP</a:t>
+            </a:r>
+            <a:br>
+              <a:rPr lang="en-US" dirty="0" smtClean="0"/>
+            </a:br>
+            <a:r>
+              <a:rPr lang="en-US" sz="2400" dirty="0" smtClean="0"/>
+              <a:t>Now add “roll” for HW#10</a:t>
+            </a:r>
+            <a:endParaRPr lang="en-US" sz="2400" dirty="0"/>
+          </a:p>
+        </p:txBody>
+      </p:sp>
+      <p:sp>
+        <p:nvSpPr>
+          <p:cNvPr id="7" name="Rounded Rectangle 6"/>
+          <p:cNvSpPr/>
+          <p:nvPr/>
         </p:nvSpPr>
         <p:spPr>
           <a:xfrm>
-            <a:off x="581736" y="1523052"/>
-            <a:ext cx="8131175" cy="4324350"/>
-          </a:xfrm>
-        </p:spPr>
-        <p:txBody>
-          <a:bodyPr/>
-          <a:lstStyle/>
-          <a:p>
-            <a:endParaRPr lang="en-US" b="0" dirty="0"/>
-          </a:p>
-        </p:txBody>
-      </p:sp>
-      <p:pic>
-        <p:nvPicPr>
-          <p:cNvPr id="6" name="Picture 5"/>
-          <p:cNvPicPr>
-            <a:picLocks noChangeAspect="1" noChangeArrowheads="1"/>
-          </p:cNvPicPr>
+            <a:off x="2723752" y="1796897"/>
+            <a:ext cx="4697837" cy="678761"/>
+          </a:xfrm>
+          <a:prstGeom prst="roundRect">
+            <a:avLst>
+              <a:gd name="adj" fmla="val 13495"/>
+            </a:avLst>
+          </a:prstGeom>
+          <a:noFill/>
+          <a:ln>
+            <a:solidFill>
+              <a:schemeClr val="tx1"/>
+            </a:solidFill>
+          </a:ln>
+        </p:spPr>
+        <p:style>
+          <a:lnRef idx="2">
+            <a:schemeClr val="accent1">
+              <a:shade val="50000"/>
+            </a:schemeClr>
+          </a:lnRef>
+          <a:fillRef idx="1">
+            <a:schemeClr val="accent1"/>
+          </a:fillRef>
+          <a:effectRef idx="0">
+            <a:schemeClr val="accent1"/>
+          </a:effectRef>
+          <a:fontRef idx="minor">
+            <a:schemeClr val="lt1"/>
+          </a:fontRef>
+        </p:style>
+        <p:txBody>
+          <a:bodyPr lIns="91440" tIns="45720" rIns="91440" bIns="45720" spcCol="0" rtlCol="0" anchor="ctr"/>
+          <a:lstStyle/>
+          <a:p>
+            <a:pPr algn="ctr"/>
+            <a:endParaRPr lang="en-US" sz="1800"/>
+          </a:p>
+        </p:txBody>
+      </p:sp>
+      <p:sp>
+        <p:nvSpPr>
+          <p:cNvPr id="8" name="TextBox 7"/>
+          <p:cNvSpPr txBox="1"/>
           <p:nvPr/>
-        </p:nvPicPr>
-        <p:blipFill>
-          <a:blip r:embed="rId2">
-            <a:extLst>
-              <a:ext uri="{28A0092B-C50C-407E-A947-70E740481C1C}">
-                <a14:useLocalDpi xmlns:a14="http://schemas.microsoft.com/office/drawing/2010/main" val="0"/>
-              </a:ext>
-            </a:extLst>
-          </a:blip>
-          <a:stretch>
-            <a:fillRect/>
-          </a:stretch>
-        </p:blipFill>
-        <p:spPr bwMode="auto">
-          <a:xfrm>
-            <a:off x="54590" y="1473958"/>
-            <a:ext cx="9045195" cy="4890505"/>
+        </p:nvSpPr>
+        <p:spPr>
+          <a:xfrm>
+            <a:off x="2806995" y="1796897"/>
+            <a:ext cx="3255792" cy="369332"/>
           </a:xfrm>
           <a:prstGeom prst="rect">
             <a:avLst/>
           </a:prstGeom>
           <a:noFill/>
-          <a:extLst>
-            <a:ext uri="{909E8E84-426E-40DD-AFC4-6F175D3DCCD1}">
-              <a14:hiddenFill xmlns:a14="http://schemas.microsoft.com/office/drawing/2010/main">
-                <a:solidFill>
-                  <a:srgbClr val="FFFFFF"/>
-                </a:solidFill>
-              </a14:hiddenFill>
-            </a:ext>
-          </a:extLst>
-        </p:spPr>
-      </p:pic>
-      <p:sp>
-        <p:nvSpPr>
-          <p:cNvPr id="7" name="Slide Number Placeholder 3"/>
+        </p:spPr>
+        <p:txBody>
+          <a:bodyPr wrap="square" lIns="91440" tIns="45720" rIns="91440" bIns="45720" rtlCol="0">
+            <a:spAutoFit/>
+          </a:bodyPr>
+          <a:lstStyle/>
+          <a:p>
+            <a:r>
+              <a:rPr lang="en-US" sz="1800" b="1" dirty="0" smtClean="0"/>
+              <a:t>axi_uartlite_0 </a:t>
+            </a:r>
+            <a:r>
+              <a:rPr lang="en-US" sz="1800" b="1" dirty="0"/>
+              <a:t>@ 40600000</a:t>
+            </a:r>
+            <a:endParaRPr lang="en-US" sz="4400" b="1" dirty="0"/>
+          </a:p>
+        </p:txBody>
+      </p:sp>
+      <p:cxnSp>
+        <p:nvCxnSpPr>
+          <p:cNvPr id="9" name="Straight Connector 8"/>
+          <p:cNvCxnSpPr>
+            <a:endCxn id="17" idx="1"/>
+          </p:cNvCxnSpPr>
+          <p:nvPr/>
+        </p:nvCxnSpPr>
+        <p:spPr>
+          <a:xfrm>
+            <a:off x="3628519" y="4143847"/>
+            <a:ext cx="2167568" cy="0"/>
+          </a:xfrm>
+          <a:prstGeom prst="line">
+            <a:avLst/>
+          </a:prstGeom>
+          <a:ln w="12700">
+            <a:solidFill>
+              <a:schemeClr val="tx1"/>
+            </a:solidFill>
+            <a:tailEnd type="triangle"/>
+          </a:ln>
+        </p:spPr>
+        <p:style>
+          <a:lnRef idx="1">
+            <a:schemeClr val="accent1"/>
+          </a:lnRef>
+          <a:fillRef idx="0">
+            <a:schemeClr val="accent1"/>
+          </a:fillRef>
+          <a:effectRef idx="0">
+            <a:schemeClr val="accent1"/>
+          </a:effectRef>
+          <a:fontRef idx="minor">
+            <a:schemeClr val="tx1"/>
+          </a:fontRef>
+        </p:style>
+      </p:cxnSp>
+      <p:sp>
+        <p:nvSpPr>
+          <p:cNvPr id="10" name="TextBox 9"/>
+          <p:cNvSpPr txBox="1"/>
+          <p:nvPr/>
+        </p:nvSpPr>
+        <p:spPr>
+          <a:xfrm>
+            <a:off x="4338671" y="3832569"/>
+            <a:ext cx="1438967" cy="338554"/>
+          </a:xfrm>
+          <a:prstGeom prst="rect">
+            <a:avLst/>
+          </a:prstGeom>
+          <a:noFill/>
+        </p:spPr>
+        <p:txBody>
+          <a:bodyPr wrap="square" lIns="91440" tIns="45720" rIns="91440" bIns="45720" rtlCol="0">
+            <a:spAutoFit/>
+          </a:bodyPr>
+          <a:lstStyle/>
+          <a:p>
+            <a:pPr algn="r"/>
+            <a:r>
+              <a:rPr lang="en-US" sz="1600" dirty="0"/>
+              <a:t>S_AXI_ACLK</a:t>
+            </a:r>
+          </a:p>
+        </p:txBody>
+      </p:sp>
+      <p:cxnSp>
+        <p:nvCxnSpPr>
+          <p:cNvPr id="11" name="Straight Connector 10"/>
+          <p:cNvCxnSpPr>
+            <a:endCxn id="18" idx="1"/>
+          </p:cNvCxnSpPr>
+          <p:nvPr/>
+        </p:nvCxnSpPr>
+        <p:spPr>
+          <a:xfrm>
+            <a:off x="3590419" y="4447709"/>
+            <a:ext cx="2167567" cy="0"/>
+          </a:xfrm>
+          <a:prstGeom prst="line">
+            <a:avLst/>
+          </a:prstGeom>
+          <a:ln w="12700">
+            <a:solidFill>
+              <a:schemeClr val="tx1"/>
+            </a:solidFill>
+            <a:tailEnd type="oval"/>
+          </a:ln>
+        </p:spPr>
+        <p:style>
+          <a:lnRef idx="1">
+            <a:schemeClr val="accent1"/>
+          </a:lnRef>
+          <a:fillRef idx="0">
+            <a:schemeClr val="accent1"/>
+          </a:fillRef>
+          <a:effectRef idx="0">
+            <a:schemeClr val="accent1"/>
+          </a:effectRef>
+          <a:fontRef idx="minor">
+            <a:schemeClr val="tx1"/>
+          </a:fontRef>
+        </p:style>
+      </p:cxnSp>
+      <p:sp>
+        <p:nvSpPr>
+          <p:cNvPr id="12" name="TextBox 11"/>
+          <p:cNvSpPr txBox="1"/>
+          <p:nvPr/>
+        </p:nvSpPr>
+        <p:spPr>
+          <a:xfrm>
+            <a:off x="3817751" y="4136431"/>
+            <a:ext cx="1957430" cy="338554"/>
+          </a:xfrm>
+          <a:prstGeom prst="rect">
+            <a:avLst/>
+          </a:prstGeom>
+          <a:noFill/>
+        </p:spPr>
+        <p:txBody>
+          <a:bodyPr wrap="square" lIns="91440" tIns="45720" rIns="91440" bIns="45720" rtlCol="0">
+            <a:spAutoFit/>
+          </a:bodyPr>
+          <a:lstStyle/>
+          <a:p>
+            <a:pPr algn="r"/>
+            <a:r>
+              <a:rPr lang="en-US" sz="1600" dirty="0"/>
+              <a:t>S_AXI_ARESETN</a:t>
+            </a:r>
+          </a:p>
+        </p:txBody>
+      </p:sp>
+      <p:cxnSp>
+        <p:nvCxnSpPr>
+          <p:cNvPr id="13" name="Straight Connector 12"/>
+          <p:cNvCxnSpPr>
+            <a:endCxn id="19" idx="1"/>
+          </p:cNvCxnSpPr>
+          <p:nvPr/>
+        </p:nvCxnSpPr>
+        <p:spPr>
+          <a:xfrm flipV="1">
+            <a:off x="3628519" y="4759796"/>
+            <a:ext cx="2177093" cy="8158"/>
+          </a:xfrm>
+          <a:prstGeom prst="line">
+            <a:avLst/>
+          </a:prstGeom>
+          <a:ln w="50800">
+            <a:solidFill>
+              <a:schemeClr val="tx1"/>
+            </a:solidFill>
+            <a:tailEnd type="none"/>
+          </a:ln>
+        </p:spPr>
+        <p:style>
+          <a:lnRef idx="1">
+            <a:schemeClr val="accent1"/>
+          </a:lnRef>
+          <a:fillRef idx="0">
+            <a:schemeClr val="accent1"/>
+          </a:fillRef>
+          <a:effectRef idx="0">
+            <a:schemeClr val="accent1"/>
+          </a:effectRef>
+          <a:fontRef idx="minor">
+            <a:schemeClr val="tx1"/>
+          </a:fontRef>
+        </p:style>
+      </p:cxnSp>
+      <p:sp>
+        <p:nvSpPr>
+          <p:cNvPr id="14" name="TextBox 13"/>
+          <p:cNvSpPr txBox="1"/>
+          <p:nvPr/>
+        </p:nvSpPr>
+        <p:spPr>
+          <a:xfrm>
+            <a:off x="4338671" y="4448518"/>
+            <a:ext cx="1446034" cy="338554"/>
+          </a:xfrm>
+          <a:prstGeom prst="rect">
+            <a:avLst/>
+          </a:prstGeom>
+          <a:noFill/>
+        </p:spPr>
+        <p:txBody>
+          <a:bodyPr wrap="square" lIns="91440" tIns="45720" rIns="91440" bIns="45720" rtlCol="0">
+            <a:spAutoFit/>
+          </a:bodyPr>
+          <a:lstStyle/>
+          <a:p>
+            <a:pPr algn="r"/>
+            <a:r>
+              <a:rPr lang="en-US" sz="1600" dirty="0" smtClean="0"/>
+              <a:t>slv_reg1</a:t>
+            </a:r>
+            <a:endParaRPr lang="en-US" sz="2000" dirty="0"/>
+          </a:p>
+        </p:txBody>
+      </p:sp>
+      <p:sp>
+        <p:nvSpPr>
+          <p:cNvPr id="17" name="TextBox 16"/>
+          <p:cNvSpPr txBox="1"/>
+          <p:nvPr/>
+        </p:nvSpPr>
+        <p:spPr>
+          <a:xfrm>
+            <a:off x="5796087" y="3959181"/>
+            <a:ext cx="533400" cy="369332"/>
+          </a:xfrm>
+          <a:prstGeom prst="rect">
+            <a:avLst/>
+          </a:prstGeom>
+          <a:noFill/>
+        </p:spPr>
+        <p:txBody>
+          <a:bodyPr wrap="square" lIns="91440" tIns="45720" rIns="91440" bIns="45720" rtlCol="0">
+            <a:spAutoFit/>
+          </a:bodyPr>
+          <a:lstStyle/>
+          <a:p>
+            <a:r>
+              <a:rPr lang="en-US" sz="1800" dirty="0" err="1" smtClean="0"/>
+              <a:t>clk</a:t>
+            </a:r>
+            <a:endParaRPr lang="en-US" sz="1800" dirty="0"/>
+          </a:p>
+        </p:txBody>
+      </p:sp>
+      <p:sp>
+        <p:nvSpPr>
+          <p:cNvPr id="18" name="TextBox 17"/>
+          <p:cNvSpPr txBox="1"/>
+          <p:nvPr/>
+        </p:nvSpPr>
+        <p:spPr>
+          <a:xfrm>
+            <a:off x="5757986" y="4263043"/>
+            <a:ext cx="992856" cy="369332"/>
+          </a:xfrm>
+          <a:prstGeom prst="rect">
+            <a:avLst/>
+          </a:prstGeom>
+          <a:noFill/>
+        </p:spPr>
+        <p:txBody>
+          <a:bodyPr wrap="square" lIns="91440" tIns="45720" rIns="91440" bIns="45720" rtlCol="0">
+            <a:spAutoFit/>
+          </a:bodyPr>
+          <a:lstStyle/>
+          <a:p>
+            <a:r>
+              <a:rPr lang="en-US" sz="1800" dirty="0" smtClean="0"/>
+              <a:t> </a:t>
+            </a:r>
+            <a:r>
+              <a:rPr lang="en-US" sz="1800" dirty="0" err="1" smtClean="0"/>
+              <a:t>reset_n</a:t>
+            </a:r>
+            <a:endParaRPr lang="en-US" sz="1800" dirty="0"/>
+          </a:p>
+        </p:txBody>
+      </p:sp>
+      <p:sp>
+        <p:nvSpPr>
+          <p:cNvPr id="19" name="TextBox 18"/>
+          <p:cNvSpPr txBox="1"/>
+          <p:nvPr/>
+        </p:nvSpPr>
+        <p:spPr>
+          <a:xfrm>
+            <a:off x="5805612" y="4575130"/>
+            <a:ext cx="759542" cy="369332"/>
+          </a:xfrm>
+          <a:prstGeom prst="rect">
+            <a:avLst/>
+          </a:prstGeom>
+          <a:noFill/>
+        </p:spPr>
+        <p:txBody>
+          <a:bodyPr wrap="square" lIns="91440" tIns="45720" rIns="91440" bIns="45720" rtlCol="0">
+            <a:spAutoFit/>
+          </a:bodyPr>
+          <a:lstStyle/>
+          <a:p>
+            <a:r>
+              <a:rPr lang="en-US" sz="1800" dirty="0" smtClean="0"/>
+              <a:t>ctrl</a:t>
+            </a:r>
+            <a:endParaRPr lang="en-US" sz="1800" dirty="0"/>
+          </a:p>
+        </p:txBody>
+      </p:sp>
+      <p:sp>
+        <p:nvSpPr>
+          <p:cNvPr id="21" name="Rounded Rectangle 20"/>
+          <p:cNvSpPr/>
+          <p:nvPr/>
+        </p:nvSpPr>
+        <p:spPr>
+          <a:xfrm>
+            <a:off x="183773" y="1594531"/>
+            <a:ext cx="8003422" cy="4755435"/>
+          </a:xfrm>
+          <a:prstGeom prst="roundRect">
+            <a:avLst>
+              <a:gd name="adj" fmla="val 6245"/>
+            </a:avLst>
+          </a:prstGeom>
+          <a:noFill/>
+          <a:ln>
+            <a:solidFill>
+              <a:schemeClr val="tx1"/>
+            </a:solidFill>
+          </a:ln>
+        </p:spPr>
+        <p:style>
+          <a:lnRef idx="2">
+            <a:schemeClr val="accent1">
+              <a:shade val="50000"/>
+            </a:schemeClr>
+          </a:lnRef>
+          <a:fillRef idx="1">
+            <a:schemeClr val="accent1"/>
+          </a:fillRef>
+          <a:effectRef idx="0">
+            <a:schemeClr val="accent1"/>
+          </a:effectRef>
+          <a:fontRef idx="minor">
+            <a:schemeClr val="lt1"/>
+          </a:fontRef>
+        </p:style>
+        <p:txBody>
+          <a:bodyPr lIns="91440" tIns="45720" rIns="91440" bIns="45720" spcCol="0" rtlCol="0" anchor="ctr"/>
+          <a:lstStyle/>
+          <a:p>
+            <a:pPr algn="ctr"/>
+            <a:endParaRPr lang="en-US" sz="1800"/>
+          </a:p>
+        </p:txBody>
+      </p:sp>
+      <p:sp>
+        <p:nvSpPr>
+          <p:cNvPr id="22" name="TextBox 21"/>
+          <p:cNvSpPr txBox="1"/>
+          <p:nvPr/>
+        </p:nvSpPr>
+        <p:spPr>
+          <a:xfrm>
+            <a:off x="178080" y="1609301"/>
+            <a:ext cx="2400532" cy="400110"/>
+          </a:xfrm>
+          <a:prstGeom prst="rect">
+            <a:avLst/>
+          </a:prstGeom>
+          <a:noFill/>
+        </p:spPr>
+        <p:txBody>
+          <a:bodyPr wrap="square" lIns="91440" tIns="45720" rIns="91440" bIns="45720" rtlCol="0">
+            <a:spAutoFit/>
+          </a:bodyPr>
+          <a:lstStyle/>
+          <a:p>
+            <a:r>
+              <a:rPr lang="en-US" sz="2000" b="1" dirty="0" err="1" smtClean="0"/>
+              <a:t>Artix</a:t>
+            </a:r>
+            <a:r>
+              <a:rPr lang="en-US" sz="2000" b="1" dirty="0" smtClean="0"/>
+              <a:t> 7 (design_1)</a:t>
+            </a:r>
+            <a:endParaRPr lang="en-US" sz="4800" b="1" dirty="0"/>
+          </a:p>
+        </p:txBody>
+      </p:sp>
+      <p:sp>
+        <p:nvSpPr>
+          <p:cNvPr id="23" name="Rounded Rectangle 22"/>
+          <p:cNvSpPr/>
+          <p:nvPr/>
+        </p:nvSpPr>
+        <p:spPr>
+          <a:xfrm>
+            <a:off x="349288" y="2821246"/>
+            <a:ext cx="1868328" cy="3368542"/>
+          </a:xfrm>
+          <a:prstGeom prst="roundRect">
+            <a:avLst>
+              <a:gd name="adj" fmla="val 13495"/>
+            </a:avLst>
+          </a:prstGeom>
+          <a:noFill/>
+          <a:ln>
+            <a:solidFill>
+              <a:schemeClr val="tx1"/>
+            </a:solidFill>
+          </a:ln>
+        </p:spPr>
+        <p:style>
+          <a:lnRef idx="2">
+            <a:schemeClr val="accent1">
+              <a:shade val="50000"/>
+            </a:schemeClr>
+          </a:lnRef>
+          <a:fillRef idx="1">
+            <a:schemeClr val="accent1"/>
+          </a:fillRef>
+          <a:effectRef idx="0">
+            <a:schemeClr val="accent1"/>
+          </a:effectRef>
+          <a:fontRef idx="minor">
+            <a:schemeClr val="lt1"/>
+          </a:fontRef>
+        </p:style>
+        <p:txBody>
+          <a:bodyPr lIns="91440" tIns="45720" rIns="91440" bIns="45720" spcCol="0" rtlCol="0" anchor="ctr"/>
+          <a:lstStyle/>
+          <a:p>
+            <a:pPr algn="ctr"/>
+            <a:endParaRPr lang="en-US" sz="1800"/>
+          </a:p>
+        </p:txBody>
+      </p:sp>
+      <p:sp>
+        <p:nvSpPr>
+          <p:cNvPr id="24" name="TextBox 23"/>
+          <p:cNvSpPr txBox="1"/>
+          <p:nvPr/>
+        </p:nvSpPr>
+        <p:spPr>
+          <a:xfrm>
+            <a:off x="589405" y="2836413"/>
+            <a:ext cx="1524000" cy="369332"/>
+          </a:xfrm>
+          <a:prstGeom prst="rect">
+            <a:avLst/>
+          </a:prstGeom>
+          <a:noFill/>
+        </p:spPr>
+        <p:txBody>
+          <a:bodyPr wrap="square" lIns="91440" tIns="45720" rIns="91440" bIns="45720" rtlCol="0">
+            <a:spAutoFit/>
+          </a:bodyPr>
+          <a:lstStyle/>
+          <a:p>
+            <a:pPr algn="ctr"/>
+            <a:r>
+              <a:rPr lang="en-US" sz="1800" b="1" dirty="0" err="1" smtClean="0"/>
+              <a:t>MicroBlaze</a:t>
+            </a:r>
+            <a:endParaRPr lang="en-US" sz="4400" b="1" dirty="0"/>
+          </a:p>
+        </p:txBody>
+      </p:sp>
+      <p:sp>
+        <p:nvSpPr>
+          <p:cNvPr id="25" name="Rounded Rectangle 24"/>
+          <p:cNvSpPr/>
+          <p:nvPr/>
+        </p:nvSpPr>
+        <p:spPr>
+          <a:xfrm>
+            <a:off x="533996" y="3242037"/>
+            <a:ext cx="1490615" cy="1937938"/>
+          </a:xfrm>
+          <a:prstGeom prst="roundRect">
+            <a:avLst>
+              <a:gd name="adj" fmla="val 13495"/>
+            </a:avLst>
+          </a:prstGeom>
+          <a:noFill/>
+          <a:ln>
+            <a:solidFill>
+              <a:schemeClr val="tx1"/>
+            </a:solidFill>
+          </a:ln>
+        </p:spPr>
+        <p:style>
+          <a:lnRef idx="2">
+            <a:schemeClr val="accent1">
+              <a:shade val="50000"/>
+            </a:schemeClr>
+          </a:lnRef>
+          <a:fillRef idx="1">
+            <a:schemeClr val="accent1"/>
+          </a:fillRef>
+          <a:effectRef idx="0">
+            <a:schemeClr val="accent1"/>
+          </a:effectRef>
+          <a:fontRef idx="minor">
+            <a:schemeClr val="lt1"/>
+          </a:fontRef>
+        </p:style>
+        <p:txBody>
+          <a:bodyPr lIns="91440" tIns="45720" rIns="91440" bIns="45720" spcCol="0" rtlCol="0" anchor="ctr"/>
+          <a:lstStyle/>
+          <a:p>
+            <a:pPr algn="ctr"/>
+            <a:endParaRPr lang="en-US" sz="1800"/>
+          </a:p>
+        </p:txBody>
+      </p:sp>
+      <p:sp>
+        <p:nvSpPr>
+          <p:cNvPr id="26" name="TextBox 25"/>
+          <p:cNvSpPr txBox="1"/>
+          <p:nvPr/>
+        </p:nvSpPr>
+        <p:spPr>
+          <a:xfrm>
+            <a:off x="531371" y="3242037"/>
+            <a:ext cx="1524000" cy="369332"/>
+          </a:xfrm>
+          <a:prstGeom prst="rect">
+            <a:avLst/>
+          </a:prstGeom>
+          <a:noFill/>
+        </p:spPr>
+        <p:txBody>
+          <a:bodyPr wrap="square" lIns="91440" tIns="45720" rIns="91440" bIns="45720" rtlCol="0">
+            <a:spAutoFit/>
+          </a:bodyPr>
+          <a:lstStyle/>
+          <a:p>
+            <a:pPr algn="ctr"/>
+            <a:r>
+              <a:rPr lang="en-US" sz="1800" b="1" dirty="0" smtClean="0"/>
+              <a:t>Lec18.c</a:t>
+            </a:r>
+            <a:endParaRPr lang="en-US" sz="4400" b="1" dirty="0"/>
+          </a:p>
+        </p:txBody>
+      </p:sp>
+      <p:sp>
+        <p:nvSpPr>
+          <p:cNvPr id="27" name="Rounded Rectangle 26"/>
+          <p:cNvSpPr/>
+          <p:nvPr/>
+        </p:nvSpPr>
+        <p:spPr>
+          <a:xfrm>
+            <a:off x="2498963" y="2821246"/>
+            <a:ext cx="5132825" cy="3368542"/>
+          </a:xfrm>
+          <a:prstGeom prst="roundRect">
+            <a:avLst>
+              <a:gd name="adj" fmla="val 9563"/>
+            </a:avLst>
+          </a:prstGeom>
+          <a:noFill/>
+          <a:ln>
+            <a:solidFill>
+              <a:schemeClr val="tx1"/>
+            </a:solidFill>
+          </a:ln>
+        </p:spPr>
+        <p:style>
+          <a:lnRef idx="2">
+            <a:schemeClr val="accent1">
+              <a:shade val="50000"/>
+            </a:schemeClr>
+          </a:lnRef>
+          <a:fillRef idx="1">
+            <a:schemeClr val="accent1"/>
+          </a:fillRef>
+          <a:effectRef idx="0">
+            <a:schemeClr val="accent1"/>
+          </a:effectRef>
+          <a:fontRef idx="minor">
+            <a:schemeClr val="lt1"/>
+          </a:fontRef>
+        </p:style>
+        <p:txBody>
+          <a:bodyPr lIns="91440" tIns="45720" rIns="91440" bIns="45720" spcCol="0" rtlCol="0" anchor="ctr"/>
+          <a:lstStyle/>
+          <a:p>
+            <a:pPr algn="ctr"/>
+            <a:endParaRPr lang="en-US" sz="1800"/>
+          </a:p>
+        </p:txBody>
+      </p:sp>
+      <p:sp>
+        <p:nvSpPr>
+          <p:cNvPr id="28" name="TextBox 27"/>
+          <p:cNvSpPr txBox="1"/>
+          <p:nvPr/>
+        </p:nvSpPr>
+        <p:spPr>
+          <a:xfrm>
+            <a:off x="2507263" y="2836413"/>
+            <a:ext cx="5478103" cy="369332"/>
+          </a:xfrm>
+          <a:prstGeom prst="rect">
+            <a:avLst/>
+          </a:prstGeom>
+          <a:noFill/>
+        </p:spPr>
+        <p:txBody>
+          <a:bodyPr wrap="square" lIns="91440" tIns="45720" rIns="91440" bIns="45720" rtlCol="0">
+            <a:spAutoFit/>
+          </a:bodyPr>
+          <a:lstStyle/>
+          <a:p>
+            <a:r>
+              <a:rPr lang="en-US" sz="1800" b="1" dirty="0" smtClean="0"/>
+              <a:t>my_counter_ip_v1_0.vhd </a:t>
+            </a:r>
+            <a:r>
+              <a:rPr lang="en-US" sz="1800" b="1" dirty="0"/>
+              <a:t>@ 0x44a00000</a:t>
+            </a:r>
+            <a:endParaRPr lang="en-US" sz="4400" b="1" dirty="0"/>
+          </a:p>
+        </p:txBody>
+      </p:sp>
+      <p:sp>
+        <p:nvSpPr>
+          <p:cNvPr id="30" name="Rounded Rectangle 29"/>
+          <p:cNvSpPr/>
+          <p:nvPr/>
+        </p:nvSpPr>
+        <p:spPr>
+          <a:xfrm>
+            <a:off x="2723753" y="3242037"/>
+            <a:ext cx="904766" cy="2778934"/>
+          </a:xfrm>
+          <a:prstGeom prst="roundRect">
+            <a:avLst>
+              <a:gd name="adj" fmla="val 13495"/>
+            </a:avLst>
+          </a:prstGeom>
+          <a:noFill/>
+          <a:ln>
+            <a:solidFill>
+              <a:schemeClr val="tx1"/>
+            </a:solidFill>
+          </a:ln>
+        </p:spPr>
+        <p:style>
+          <a:lnRef idx="2">
+            <a:schemeClr val="accent1">
+              <a:shade val="50000"/>
+            </a:schemeClr>
+          </a:lnRef>
+          <a:fillRef idx="1">
+            <a:schemeClr val="accent1"/>
+          </a:fillRef>
+          <a:effectRef idx="0">
+            <a:schemeClr val="accent1"/>
+          </a:effectRef>
+          <a:fontRef idx="minor">
+            <a:schemeClr val="lt1"/>
+          </a:fontRef>
+        </p:style>
+        <p:txBody>
+          <a:bodyPr lIns="91440" tIns="45720" rIns="91440" bIns="45720" spcCol="0" rtlCol="0" anchor="ctr"/>
+          <a:lstStyle/>
+          <a:p>
+            <a:pPr algn="ctr"/>
+            <a:endParaRPr lang="en-US" sz="1800"/>
+          </a:p>
+        </p:txBody>
+      </p:sp>
+      <p:sp>
+        <p:nvSpPr>
+          <p:cNvPr id="31" name="TextBox 30"/>
+          <p:cNvSpPr txBox="1"/>
+          <p:nvPr/>
+        </p:nvSpPr>
+        <p:spPr>
+          <a:xfrm>
+            <a:off x="2727689" y="3239689"/>
+            <a:ext cx="900829" cy="369332"/>
+          </a:xfrm>
+          <a:prstGeom prst="rect">
+            <a:avLst/>
+          </a:prstGeom>
+          <a:noFill/>
+        </p:spPr>
+        <p:txBody>
+          <a:bodyPr wrap="square" lIns="91440" tIns="45720" rIns="91440" bIns="45720" rtlCol="0">
+            <a:spAutoFit/>
+          </a:bodyPr>
+          <a:lstStyle/>
+          <a:p>
+            <a:pPr algn="ctr"/>
+            <a:r>
+              <a:rPr lang="en-US" sz="1800" b="1" dirty="0" err="1" smtClean="0"/>
+              <a:t>axi_lite</a:t>
+            </a:r>
+            <a:endParaRPr lang="en-US" sz="4400" b="1" dirty="0"/>
+          </a:p>
+        </p:txBody>
+      </p:sp>
+      <p:sp>
+        <p:nvSpPr>
+          <p:cNvPr id="32" name="Rounded Rectangle 31"/>
+          <p:cNvSpPr/>
+          <p:nvPr/>
+        </p:nvSpPr>
+        <p:spPr>
+          <a:xfrm>
+            <a:off x="4014699" y="3239689"/>
+            <a:ext cx="3406891" cy="2781282"/>
+          </a:xfrm>
+          <a:prstGeom prst="roundRect">
+            <a:avLst>
+              <a:gd name="adj" fmla="val 8134"/>
+            </a:avLst>
+          </a:prstGeom>
+          <a:noFill/>
+          <a:ln>
+            <a:solidFill>
+              <a:schemeClr val="tx1"/>
+            </a:solidFill>
+          </a:ln>
+        </p:spPr>
+        <p:style>
+          <a:lnRef idx="2">
+            <a:schemeClr val="accent1">
+              <a:shade val="50000"/>
+            </a:schemeClr>
+          </a:lnRef>
+          <a:fillRef idx="1">
+            <a:schemeClr val="accent1"/>
+          </a:fillRef>
+          <a:effectRef idx="0">
+            <a:schemeClr val="accent1"/>
+          </a:effectRef>
+          <a:fontRef idx="minor">
+            <a:schemeClr val="lt1"/>
+          </a:fontRef>
+        </p:style>
+        <p:txBody>
+          <a:bodyPr lIns="91440" tIns="45720" rIns="91440" bIns="45720" spcCol="0" rtlCol="0" anchor="ctr"/>
+          <a:lstStyle/>
+          <a:p>
+            <a:pPr algn="ctr"/>
+            <a:endParaRPr lang="en-US" sz="1800"/>
+          </a:p>
+        </p:txBody>
+      </p:sp>
+      <p:sp>
+        <p:nvSpPr>
+          <p:cNvPr id="33" name="TextBox 32"/>
+          <p:cNvSpPr txBox="1"/>
+          <p:nvPr/>
+        </p:nvSpPr>
+        <p:spPr>
+          <a:xfrm>
+            <a:off x="4018937" y="3239689"/>
+            <a:ext cx="3672046" cy="338554"/>
+          </a:xfrm>
+          <a:prstGeom prst="rect">
+            <a:avLst/>
+          </a:prstGeom>
+          <a:noFill/>
+        </p:spPr>
+        <p:txBody>
+          <a:bodyPr wrap="square" lIns="91440" tIns="45720" rIns="91440" bIns="45720" rtlCol="0">
+            <a:spAutoFit/>
+          </a:bodyPr>
+          <a:lstStyle/>
+          <a:p>
+            <a:r>
+              <a:rPr lang="en-US" sz="1600" b="1" dirty="0"/>
+              <a:t>my_counter_ip_v1_0_S00_AXI.vhd</a:t>
+            </a:r>
+            <a:endParaRPr lang="en-US" sz="4000" b="1" dirty="0"/>
+          </a:p>
+        </p:txBody>
+      </p:sp>
+      <p:sp>
+        <p:nvSpPr>
+          <p:cNvPr id="34" name="Rounded Rectangle 33"/>
+          <p:cNvSpPr/>
+          <p:nvPr/>
+        </p:nvSpPr>
+        <p:spPr>
+          <a:xfrm>
+            <a:off x="5805612" y="3730265"/>
+            <a:ext cx="1490615" cy="1863315"/>
+          </a:xfrm>
+          <a:prstGeom prst="roundRect">
+            <a:avLst>
+              <a:gd name="adj" fmla="val 13495"/>
+            </a:avLst>
+          </a:prstGeom>
+          <a:noFill/>
+          <a:ln>
+            <a:solidFill>
+              <a:schemeClr val="tx1"/>
+            </a:solidFill>
+          </a:ln>
+        </p:spPr>
+        <p:style>
+          <a:lnRef idx="2">
+            <a:schemeClr val="accent1">
+              <a:shade val="50000"/>
+            </a:schemeClr>
+          </a:lnRef>
+          <a:fillRef idx="1">
+            <a:schemeClr val="accent1"/>
+          </a:fillRef>
+          <a:effectRef idx="0">
+            <a:schemeClr val="accent1"/>
+          </a:effectRef>
+          <a:fontRef idx="minor">
+            <a:schemeClr val="lt1"/>
+          </a:fontRef>
+        </p:style>
+        <p:txBody>
+          <a:bodyPr lIns="91440" tIns="45720" rIns="91440" bIns="45720" spcCol="0" rtlCol="0" anchor="ctr"/>
+          <a:lstStyle/>
+          <a:p>
+            <a:pPr algn="ctr"/>
+            <a:endParaRPr lang="en-US" sz="1800"/>
+          </a:p>
+        </p:txBody>
+      </p:sp>
+      <p:sp>
+        <p:nvSpPr>
+          <p:cNvPr id="35" name="TextBox 34"/>
+          <p:cNvSpPr txBox="1"/>
+          <p:nvPr/>
+        </p:nvSpPr>
+        <p:spPr>
+          <a:xfrm>
+            <a:off x="5783570" y="3728002"/>
+            <a:ext cx="1493240" cy="369332"/>
+          </a:xfrm>
+          <a:prstGeom prst="rect">
+            <a:avLst/>
+          </a:prstGeom>
+          <a:noFill/>
+        </p:spPr>
+        <p:txBody>
+          <a:bodyPr wrap="square" lIns="91440" tIns="45720" rIns="91440" bIns="45720" rtlCol="0">
+            <a:spAutoFit/>
+          </a:bodyPr>
+          <a:lstStyle/>
+          <a:p>
+            <a:pPr algn="ctr"/>
+            <a:r>
+              <a:rPr lang="en-US" sz="1800" b="1" dirty="0" smtClean="0"/>
+              <a:t>Lec18.vhd</a:t>
+            </a:r>
+            <a:endParaRPr lang="en-US" sz="4400" b="1" dirty="0"/>
+          </a:p>
+        </p:txBody>
+      </p:sp>
+      <p:sp>
+        <p:nvSpPr>
+          <p:cNvPr id="40" name="TextBox 39"/>
+          <p:cNvSpPr txBox="1"/>
+          <p:nvPr/>
+        </p:nvSpPr>
+        <p:spPr>
+          <a:xfrm>
+            <a:off x="4121473" y="4731559"/>
+            <a:ext cx="570681" cy="369332"/>
+          </a:xfrm>
+          <a:prstGeom prst="rect">
+            <a:avLst/>
+          </a:prstGeom>
+          <a:noFill/>
+        </p:spPr>
+        <p:txBody>
+          <a:bodyPr wrap="square" lIns="91440" tIns="45720" rIns="91440" bIns="45720" rtlCol="0">
+            <a:spAutoFit/>
+          </a:bodyPr>
+          <a:lstStyle/>
+          <a:p>
+            <a:r>
+              <a:rPr lang="en-US" sz="1800" dirty="0" smtClean="0"/>
+              <a:t>32</a:t>
+            </a:r>
+            <a:endParaRPr lang="en-US" sz="1800" dirty="0"/>
+          </a:p>
+        </p:txBody>
+      </p:sp>
+      <p:cxnSp>
+        <p:nvCxnSpPr>
+          <p:cNvPr id="41" name="Straight Connector 40"/>
+          <p:cNvCxnSpPr/>
+          <p:nvPr/>
+        </p:nvCxnSpPr>
+        <p:spPr>
+          <a:xfrm flipV="1">
+            <a:off x="4471176" y="4615554"/>
+            <a:ext cx="323623" cy="304800"/>
+          </a:xfrm>
+          <a:prstGeom prst="line">
+            <a:avLst/>
+          </a:prstGeom>
+          <a:ln w="12700">
+            <a:solidFill>
+              <a:schemeClr val="tx1"/>
+            </a:solidFill>
+          </a:ln>
+        </p:spPr>
+        <p:style>
+          <a:lnRef idx="1">
+            <a:schemeClr val="accent1"/>
+          </a:lnRef>
+          <a:fillRef idx="0">
+            <a:schemeClr val="accent1"/>
+          </a:fillRef>
+          <a:effectRef idx="0">
+            <a:schemeClr val="accent1"/>
+          </a:effectRef>
+          <a:fontRef idx="minor">
+            <a:schemeClr val="tx1"/>
+          </a:fontRef>
+        </p:style>
+      </p:cxnSp>
+      <p:cxnSp>
+        <p:nvCxnSpPr>
+          <p:cNvPr id="42" name="Straight Connector 41"/>
+          <p:cNvCxnSpPr>
+            <a:endCxn id="44" idx="1"/>
+          </p:cNvCxnSpPr>
+          <p:nvPr/>
+        </p:nvCxnSpPr>
+        <p:spPr>
+          <a:xfrm flipV="1">
+            <a:off x="3628519" y="5066944"/>
+            <a:ext cx="2174745" cy="8158"/>
+          </a:xfrm>
+          <a:prstGeom prst="line">
+            <a:avLst/>
+          </a:prstGeom>
+          <a:ln w="50800">
+            <a:solidFill>
+              <a:schemeClr val="tx1"/>
+            </a:solidFill>
+            <a:tailEnd type="none"/>
+          </a:ln>
+        </p:spPr>
+        <p:style>
+          <a:lnRef idx="1">
+            <a:schemeClr val="accent1"/>
+          </a:lnRef>
+          <a:fillRef idx="0">
+            <a:schemeClr val="accent1"/>
+          </a:fillRef>
+          <a:effectRef idx="0">
+            <a:schemeClr val="accent1"/>
+          </a:effectRef>
+          <a:fontRef idx="minor">
+            <a:schemeClr val="tx1"/>
+          </a:fontRef>
+        </p:style>
+      </p:cxnSp>
+      <p:sp>
+        <p:nvSpPr>
+          <p:cNvPr id="43" name="TextBox 42"/>
+          <p:cNvSpPr txBox="1"/>
+          <p:nvPr/>
+        </p:nvSpPr>
+        <p:spPr>
+          <a:xfrm>
+            <a:off x="4336323" y="4755666"/>
+            <a:ext cx="1446034" cy="338554"/>
+          </a:xfrm>
+          <a:prstGeom prst="rect">
+            <a:avLst/>
+          </a:prstGeom>
+          <a:noFill/>
+        </p:spPr>
+        <p:txBody>
+          <a:bodyPr wrap="square" lIns="91440" tIns="45720" rIns="91440" bIns="45720" rtlCol="0">
+            <a:spAutoFit/>
+          </a:bodyPr>
+          <a:lstStyle/>
+          <a:p>
+            <a:pPr algn="r"/>
+            <a:r>
+              <a:rPr lang="en-US" sz="1600" dirty="0" smtClean="0"/>
+              <a:t>slv_reg0</a:t>
+            </a:r>
+            <a:endParaRPr lang="en-US" sz="2000" dirty="0"/>
+          </a:p>
+        </p:txBody>
+      </p:sp>
+      <p:sp>
+        <p:nvSpPr>
+          <p:cNvPr id="44" name="TextBox 43"/>
+          <p:cNvSpPr txBox="1"/>
+          <p:nvPr/>
+        </p:nvSpPr>
+        <p:spPr>
+          <a:xfrm>
+            <a:off x="5803264" y="4882278"/>
+            <a:ext cx="759542" cy="369332"/>
+          </a:xfrm>
+          <a:prstGeom prst="rect">
+            <a:avLst/>
+          </a:prstGeom>
+          <a:noFill/>
+        </p:spPr>
+        <p:txBody>
+          <a:bodyPr wrap="square" lIns="91440" tIns="45720" rIns="91440" bIns="45720" rtlCol="0">
+            <a:spAutoFit/>
+          </a:bodyPr>
+          <a:lstStyle/>
+          <a:p>
+            <a:r>
+              <a:rPr lang="en-US" sz="1800" dirty="0" smtClean="0"/>
+              <a:t>Q/D</a:t>
+            </a:r>
+            <a:endParaRPr lang="en-US" sz="1800" dirty="0"/>
+          </a:p>
+        </p:txBody>
+      </p:sp>
+      <p:sp>
+        <p:nvSpPr>
+          <p:cNvPr id="45" name="TextBox 44"/>
+          <p:cNvSpPr txBox="1"/>
+          <p:nvPr/>
+        </p:nvSpPr>
+        <p:spPr>
+          <a:xfrm>
+            <a:off x="4119125" y="5038707"/>
+            <a:ext cx="570681" cy="369332"/>
+          </a:xfrm>
+          <a:prstGeom prst="rect">
+            <a:avLst/>
+          </a:prstGeom>
+          <a:noFill/>
+        </p:spPr>
+        <p:txBody>
+          <a:bodyPr wrap="square" lIns="91440" tIns="45720" rIns="91440" bIns="45720" rtlCol="0">
+            <a:spAutoFit/>
+          </a:bodyPr>
+          <a:lstStyle/>
+          <a:p>
+            <a:r>
+              <a:rPr lang="en-US" sz="1800" dirty="0" smtClean="0"/>
+              <a:t>32</a:t>
+            </a:r>
+            <a:endParaRPr lang="en-US" sz="1800" dirty="0"/>
+          </a:p>
+        </p:txBody>
+      </p:sp>
+      <p:cxnSp>
+        <p:nvCxnSpPr>
+          <p:cNvPr id="46" name="Straight Connector 45"/>
+          <p:cNvCxnSpPr/>
+          <p:nvPr/>
+        </p:nvCxnSpPr>
+        <p:spPr>
+          <a:xfrm flipV="1">
+            <a:off x="4468828" y="4922702"/>
+            <a:ext cx="323623" cy="304800"/>
+          </a:xfrm>
+          <a:prstGeom prst="line">
+            <a:avLst/>
+          </a:prstGeom>
+          <a:ln w="12700">
+            <a:solidFill>
+              <a:schemeClr val="tx1"/>
+            </a:solidFill>
+          </a:ln>
+        </p:spPr>
+        <p:style>
+          <a:lnRef idx="1">
+            <a:schemeClr val="accent1"/>
+          </a:lnRef>
+          <a:fillRef idx="0">
+            <a:schemeClr val="accent1"/>
+          </a:fillRef>
+          <a:effectRef idx="0">
+            <a:schemeClr val="accent1"/>
+          </a:effectRef>
+          <a:fontRef idx="minor">
+            <a:schemeClr val="tx1"/>
+          </a:fontRef>
+        </p:style>
+      </p:cxnSp>
+      <p:cxnSp>
+        <p:nvCxnSpPr>
+          <p:cNvPr id="51" name="Straight Connector 50"/>
+          <p:cNvCxnSpPr/>
+          <p:nvPr/>
+        </p:nvCxnSpPr>
+        <p:spPr>
+          <a:xfrm>
+            <a:off x="5246314" y="5755683"/>
+            <a:ext cx="2779498" cy="0"/>
+          </a:xfrm>
+          <a:prstGeom prst="line">
+            <a:avLst/>
+          </a:prstGeom>
+          <a:ln w="38100">
+            <a:solidFill>
+              <a:schemeClr val="tx1"/>
+            </a:solidFill>
+            <a:tailEnd type="none"/>
+          </a:ln>
+        </p:spPr>
+        <p:style>
+          <a:lnRef idx="1">
+            <a:schemeClr val="accent1"/>
+          </a:lnRef>
+          <a:fillRef idx="0">
+            <a:schemeClr val="accent1"/>
+          </a:fillRef>
+          <a:effectRef idx="0">
+            <a:schemeClr val="accent1"/>
+          </a:effectRef>
+          <a:fontRef idx="minor">
+            <a:schemeClr val="tx1"/>
+          </a:fontRef>
+        </p:style>
+      </p:cxnSp>
+      <p:sp>
+        <p:nvSpPr>
+          <p:cNvPr id="67" name="Rounded Rectangle 66"/>
+          <p:cNvSpPr/>
+          <p:nvPr/>
+        </p:nvSpPr>
+        <p:spPr>
+          <a:xfrm>
+            <a:off x="7772388" y="4263042"/>
+            <a:ext cx="821493" cy="1926745"/>
+          </a:xfrm>
+          <a:prstGeom prst="roundRect">
+            <a:avLst>
+              <a:gd name="adj" fmla="val 13495"/>
+            </a:avLst>
+          </a:prstGeom>
+          <a:solidFill>
+            <a:schemeClr val="bg1"/>
+          </a:solidFill>
+          <a:ln>
+            <a:solidFill>
+              <a:schemeClr val="tx1"/>
+            </a:solidFill>
+          </a:ln>
+        </p:spPr>
+        <p:style>
+          <a:lnRef idx="2">
+            <a:schemeClr val="accent1">
+              <a:shade val="50000"/>
+            </a:schemeClr>
+          </a:lnRef>
+          <a:fillRef idx="1">
+            <a:schemeClr val="accent1"/>
+          </a:fillRef>
+          <a:effectRef idx="0">
+            <a:schemeClr val="accent1"/>
+          </a:effectRef>
+          <a:fontRef idx="minor">
+            <a:schemeClr val="lt1"/>
+          </a:fontRef>
+        </p:style>
+        <p:txBody>
+          <a:bodyPr lIns="91440" tIns="45720" rIns="91440" bIns="45720" spcCol="0" rtlCol="0" anchor="ctr"/>
+          <a:lstStyle/>
+          <a:p>
+            <a:pPr algn="ctr"/>
+            <a:endParaRPr lang="en-US" sz="1800"/>
+          </a:p>
+        </p:txBody>
+      </p:sp>
+      <p:sp>
+        <p:nvSpPr>
+          <p:cNvPr id="68" name="TextBox 67"/>
+          <p:cNvSpPr txBox="1"/>
+          <p:nvPr/>
+        </p:nvSpPr>
+        <p:spPr>
+          <a:xfrm rot="16200000">
+            <a:off x="7327030" y="4957567"/>
+            <a:ext cx="1720330" cy="338554"/>
+          </a:xfrm>
+          <a:prstGeom prst="rect">
+            <a:avLst/>
+          </a:prstGeom>
+          <a:noFill/>
+        </p:spPr>
+        <p:txBody>
+          <a:bodyPr wrap="square" lIns="91440" tIns="45720" rIns="91440" bIns="45720" rtlCol="0">
+            <a:spAutoFit/>
+          </a:bodyPr>
+          <a:lstStyle/>
+          <a:p>
+            <a:pPr algn="ctr"/>
+            <a:r>
+              <a:rPr lang="en-US" sz="1600" b="1" dirty="0" smtClean="0"/>
+              <a:t>Lec18.xdc</a:t>
+            </a:r>
+            <a:endParaRPr lang="en-US" sz="4000" b="1" dirty="0"/>
+          </a:p>
+        </p:txBody>
+      </p:sp>
+      <p:cxnSp>
+        <p:nvCxnSpPr>
+          <p:cNvPr id="70" name="Straight Connector 69"/>
+          <p:cNvCxnSpPr/>
+          <p:nvPr/>
+        </p:nvCxnSpPr>
+        <p:spPr>
+          <a:xfrm flipV="1">
+            <a:off x="5246314" y="5090258"/>
+            <a:ext cx="0" cy="665425"/>
+          </a:xfrm>
+          <a:prstGeom prst="line">
+            <a:avLst/>
+          </a:prstGeom>
+          <a:ln w="38100">
+            <a:solidFill>
+              <a:schemeClr val="tx1"/>
+            </a:solidFill>
+            <a:tailEnd type="none"/>
+          </a:ln>
+        </p:spPr>
+        <p:style>
+          <a:lnRef idx="1">
+            <a:schemeClr val="accent1"/>
+          </a:lnRef>
+          <a:fillRef idx="0">
+            <a:schemeClr val="accent1"/>
+          </a:fillRef>
+          <a:effectRef idx="0">
+            <a:schemeClr val="accent1"/>
+          </a:effectRef>
+          <a:fontRef idx="minor">
+            <a:schemeClr val="tx1"/>
+          </a:fontRef>
+        </p:style>
+      </p:cxnSp>
+      <p:sp>
+        <p:nvSpPr>
+          <p:cNvPr id="73" name="TextBox 72"/>
+          <p:cNvSpPr txBox="1"/>
+          <p:nvPr/>
+        </p:nvSpPr>
+        <p:spPr>
+          <a:xfrm>
+            <a:off x="5298597" y="5708655"/>
+            <a:ext cx="570681" cy="369332"/>
+          </a:xfrm>
+          <a:prstGeom prst="rect">
+            <a:avLst/>
+          </a:prstGeom>
+          <a:noFill/>
+        </p:spPr>
+        <p:txBody>
+          <a:bodyPr wrap="square" lIns="91440" tIns="45720" rIns="91440" bIns="45720" rtlCol="0">
+            <a:spAutoFit/>
+          </a:bodyPr>
+          <a:lstStyle/>
+          <a:p>
+            <a:r>
+              <a:rPr lang="en-US" sz="1800" dirty="0" smtClean="0"/>
+              <a:t>8</a:t>
+            </a:r>
+            <a:endParaRPr lang="en-US" sz="1800" dirty="0"/>
+          </a:p>
+        </p:txBody>
+      </p:sp>
+      <p:cxnSp>
+        <p:nvCxnSpPr>
+          <p:cNvPr id="74" name="Straight Connector 73"/>
+          <p:cNvCxnSpPr/>
+          <p:nvPr/>
+        </p:nvCxnSpPr>
+        <p:spPr>
+          <a:xfrm flipV="1">
+            <a:off x="5531337" y="5613916"/>
+            <a:ext cx="323623" cy="304800"/>
+          </a:xfrm>
+          <a:prstGeom prst="line">
+            <a:avLst/>
+          </a:prstGeom>
+          <a:ln w="12700">
+            <a:solidFill>
+              <a:schemeClr val="tx1"/>
+            </a:solidFill>
+          </a:ln>
+        </p:spPr>
+        <p:style>
+          <a:lnRef idx="1">
+            <a:schemeClr val="accent1"/>
+          </a:lnRef>
+          <a:fillRef idx="0">
+            <a:schemeClr val="accent1"/>
+          </a:fillRef>
+          <a:effectRef idx="0">
+            <a:schemeClr val="accent1"/>
+          </a:effectRef>
+          <a:fontRef idx="minor">
+            <a:schemeClr val="tx1"/>
+          </a:fontRef>
+        </p:style>
+      </p:cxnSp>
+      <p:sp>
+        <p:nvSpPr>
+          <p:cNvPr id="75" name="TextBox 74"/>
+          <p:cNvSpPr txBox="1"/>
+          <p:nvPr/>
+        </p:nvSpPr>
+        <p:spPr>
+          <a:xfrm>
+            <a:off x="7772388" y="5571017"/>
+            <a:ext cx="821492" cy="369332"/>
+          </a:xfrm>
+          <a:prstGeom prst="rect">
+            <a:avLst/>
+          </a:prstGeom>
+          <a:noFill/>
+        </p:spPr>
+        <p:txBody>
+          <a:bodyPr wrap="square" lIns="91440" tIns="45720" rIns="91440" bIns="45720" rtlCol="0">
+            <a:spAutoFit/>
+          </a:bodyPr>
+          <a:lstStyle/>
+          <a:p>
+            <a:pPr algn="ctr"/>
+            <a:r>
+              <a:rPr lang="en-US" sz="1800" dirty="0" smtClean="0"/>
+              <a:t>LED</a:t>
+            </a:r>
+            <a:endParaRPr lang="en-US" sz="1800" dirty="0"/>
+          </a:p>
+        </p:txBody>
+      </p:sp>
+      <p:cxnSp>
+        <p:nvCxnSpPr>
+          <p:cNvPr id="76" name="Straight Connector 75"/>
+          <p:cNvCxnSpPr>
+            <a:stCxn id="75" idx="3"/>
+          </p:cNvCxnSpPr>
+          <p:nvPr/>
+        </p:nvCxnSpPr>
+        <p:spPr>
+          <a:xfrm>
+            <a:off x="8593880" y="5755683"/>
+            <a:ext cx="379999" cy="0"/>
+          </a:xfrm>
+          <a:prstGeom prst="line">
+            <a:avLst/>
+          </a:prstGeom>
+          <a:ln w="38100">
+            <a:solidFill>
+              <a:schemeClr val="tx1"/>
+            </a:solidFill>
+            <a:tailEnd type="none"/>
+          </a:ln>
+        </p:spPr>
+        <p:style>
+          <a:lnRef idx="1">
+            <a:schemeClr val="accent1"/>
+          </a:lnRef>
+          <a:fillRef idx="0">
+            <a:schemeClr val="accent1"/>
+          </a:fillRef>
+          <a:effectRef idx="0">
+            <a:schemeClr val="accent1"/>
+          </a:effectRef>
+          <a:fontRef idx="minor">
+            <a:schemeClr val="tx1"/>
+          </a:fontRef>
+        </p:style>
+      </p:cxnSp>
+      <p:sp>
+        <p:nvSpPr>
+          <p:cNvPr id="79" name="TextBox 78"/>
+          <p:cNvSpPr txBox="1"/>
+          <p:nvPr/>
+        </p:nvSpPr>
+        <p:spPr>
+          <a:xfrm>
+            <a:off x="8527313" y="3930029"/>
+            <a:ext cx="576930" cy="1815882"/>
+          </a:xfrm>
+          <a:prstGeom prst="rect">
+            <a:avLst/>
+          </a:prstGeom>
+          <a:noFill/>
+        </p:spPr>
+        <p:txBody>
+          <a:bodyPr wrap="square" lIns="91440" tIns="45720" rIns="91440" bIns="45720" rtlCol="0">
+            <a:spAutoFit/>
+          </a:bodyPr>
+          <a:lstStyle/>
+          <a:p>
+            <a:pPr algn="ctr">
+              <a:spcBef>
+                <a:spcPts val="0"/>
+              </a:spcBef>
+            </a:pPr>
+            <a:r>
+              <a:rPr lang="en-US" sz="1400" dirty="0" smtClean="0"/>
+              <a:t>T14</a:t>
+            </a:r>
+          </a:p>
+          <a:p>
+            <a:pPr algn="ctr">
+              <a:spcBef>
+                <a:spcPts val="0"/>
+              </a:spcBef>
+            </a:pPr>
+            <a:r>
+              <a:rPr lang="en-US" sz="1400" dirty="0" smtClean="0"/>
+              <a:t>T15</a:t>
+            </a:r>
+          </a:p>
+          <a:p>
+            <a:pPr algn="ctr">
+              <a:spcBef>
+                <a:spcPts val="0"/>
+              </a:spcBef>
+            </a:pPr>
+            <a:r>
+              <a:rPr lang="en-US" sz="1400" dirty="0" smtClean="0"/>
+              <a:t>T16</a:t>
+            </a:r>
+          </a:p>
+          <a:p>
+            <a:pPr algn="ctr">
+              <a:spcBef>
+                <a:spcPts val="0"/>
+              </a:spcBef>
+            </a:pPr>
+            <a:r>
+              <a:rPr lang="en-US" sz="1400" dirty="0" smtClean="0"/>
+              <a:t>U16</a:t>
+            </a:r>
+          </a:p>
+          <a:p>
+            <a:pPr algn="ctr">
+              <a:spcBef>
+                <a:spcPts val="0"/>
+              </a:spcBef>
+            </a:pPr>
+            <a:r>
+              <a:rPr lang="en-US" sz="1400" dirty="0" smtClean="0"/>
+              <a:t>V15</a:t>
+            </a:r>
+          </a:p>
+          <a:p>
+            <a:pPr algn="ctr">
+              <a:spcBef>
+                <a:spcPts val="0"/>
+              </a:spcBef>
+            </a:pPr>
+            <a:r>
+              <a:rPr lang="en-US" sz="1400" dirty="0" smtClean="0"/>
+              <a:t>W16</a:t>
+            </a:r>
+          </a:p>
+          <a:p>
+            <a:pPr algn="ctr">
+              <a:spcBef>
+                <a:spcPts val="0"/>
+              </a:spcBef>
+            </a:pPr>
+            <a:r>
+              <a:rPr lang="en-US" sz="1400" dirty="0" smtClean="0"/>
+              <a:t>W15</a:t>
+            </a:r>
+          </a:p>
+          <a:p>
+            <a:pPr algn="ctr">
+              <a:spcBef>
+                <a:spcPts val="0"/>
+              </a:spcBef>
+            </a:pPr>
+            <a:r>
+              <a:rPr lang="en-US" sz="1400" dirty="0" smtClean="0"/>
+              <a:t>Y13</a:t>
+            </a:r>
+            <a:endParaRPr lang="en-US" sz="1400" dirty="0"/>
+          </a:p>
+        </p:txBody>
+      </p:sp>
+      <p:sp>
+        <p:nvSpPr>
+          <p:cNvPr id="80" name="Rounded Rectangle 79"/>
+          <p:cNvSpPr/>
+          <p:nvPr/>
+        </p:nvSpPr>
+        <p:spPr>
+          <a:xfrm>
+            <a:off x="7775926" y="1809230"/>
+            <a:ext cx="821493" cy="2288104"/>
+          </a:xfrm>
+          <a:prstGeom prst="roundRect">
+            <a:avLst>
+              <a:gd name="adj" fmla="val 13495"/>
+            </a:avLst>
+          </a:prstGeom>
+          <a:solidFill>
+            <a:schemeClr val="bg1"/>
+          </a:solidFill>
+          <a:ln>
+            <a:solidFill>
+              <a:schemeClr val="tx1"/>
+            </a:solidFill>
+          </a:ln>
+        </p:spPr>
+        <p:style>
+          <a:lnRef idx="2">
+            <a:schemeClr val="accent1">
+              <a:shade val="50000"/>
+            </a:schemeClr>
+          </a:lnRef>
+          <a:fillRef idx="1">
+            <a:schemeClr val="accent1"/>
+          </a:fillRef>
+          <a:effectRef idx="0">
+            <a:schemeClr val="accent1"/>
+          </a:effectRef>
+          <a:fontRef idx="minor">
+            <a:schemeClr val="lt1"/>
+          </a:fontRef>
+        </p:style>
+        <p:txBody>
+          <a:bodyPr lIns="91440" tIns="45720" rIns="91440" bIns="45720" spcCol="0" rtlCol="0" anchor="ctr"/>
+          <a:lstStyle/>
+          <a:p>
+            <a:pPr algn="ctr"/>
+            <a:endParaRPr lang="en-US" sz="1800"/>
+          </a:p>
+        </p:txBody>
+      </p:sp>
+      <p:sp>
+        <p:nvSpPr>
+          <p:cNvPr id="81" name="TextBox 80"/>
+          <p:cNvSpPr txBox="1"/>
+          <p:nvPr/>
+        </p:nvSpPr>
+        <p:spPr>
+          <a:xfrm rot="16200000">
+            <a:off x="7279374" y="2874509"/>
+            <a:ext cx="1354867" cy="338554"/>
+          </a:xfrm>
+          <a:prstGeom prst="rect">
+            <a:avLst/>
+          </a:prstGeom>
+          <a:noFill/>
+        </p:spPr>
+        <p:txBody>
+          <a:bodyPr wrap="square" lIns="91440" tIns="45720" rIns="91440" bIns="45720" rtlCol="0">
+            <a:spAutoFit/>
+          </a:bodyPr>
+          <a:lstStyle/>
+          <a:p>
+            <a:pPr algn="ctr"/>
+            <a:r>
+              <a:rPr lang="en-US" sz="1600" b="1" dirty="0" smtClean="0"/>
+              <a:t>Design_1.xdc</a:t>
+            </a:r>
+            <a:endParaRPr lang="en-US" sz="4000" b="1" dirty="0"/>
+          </a:p>
+        </p:txBody>
+      </p:sp>
+      <p:sp>
+        <p:nvSpPr>
+          <p:cNvPr id="84" name="TextBox 83"/>
+          <p:cNvSpPr txBox="1"/>
+          <p:nvPr/>
+        </p:nvSpPr>
+        <p:spPr>
+          <a:xfrm>
+            <a:off x="8417932" y="1743169"/>
+            <a:ext cx="743014" cy="523220"/>
+          </a:xfrm>
+          <a:prstGeom prst="rect">
+            <a:avLst/>
+          </a:prstGeom>
+          <a:noFill/>
+        </p:spPr>
+        <p:txBody>
+          <a:bodyPr wrap="square" lIns="91440" tIns="45720" rIns="91440" bIns="45720" rtlCol="0">
+            <a:spAutoFit/>
+          </a:bodyPr>
+          <a:lstStyle/>
+          <a:p>
+            <a:pPr algn="r">
+              <a:spcBef>
+                <a:spcPts val="0"/>
+              </a:spcBef>
+            </a:pPr>
+            <a:r>
+              <a:rPr lang="en-US" sz="1400" dirty="0" smtClean="0"/>
+              <a:t>AA19</a:t>
+            </a:r>
+          </a:p>
+          <a:p>
+            <a:pPr algn="r">
+              <a:spcBef>
+                <a:spcPts val="0"/>
+              </a:spcBef>
+            </a:pPr>
+            <a:r>
+              <a:rPr lang="en-US" sz="1400" dirty="0" smtClean="0"/>
+              <a:t>V18</a:t>
+            </a:r>
+            <a:endParaRPr lang="en-US" sz="1400" dirty="0"/>
+          </a:p>
+        </p:txBody>
+      </p:sp>
+      <p:cxnSp>
+        <p:nvCxnSpPr>
+          <p:cNvPr id="85" name="Straight Connector 84"/>
+          <p:cNvCxnSpPr>
+            <a:stCxn id="88" idx="3"/>
+            <a:endCxn id="86" idx="1"/>
+          </p:cNvCxnSpPr>
+          <p:nvPr/>
+        </p:nvCxnSpPr>
+        <p:spPr>
+          <a:xfrm>
+            <a:off x="7411689" y="1988145"/>
+            <a:ext cx="361496" cy="0"/>
+          </a:xfrm>
+          <a:prstGeom prst="line">
+            <a:avLst/>
+          </a:prstGeom>
+          <a:ln w="12700">
+            <a:solidFill>
+              <a:schemeClr val="tx1"/>
+            </a:solidFill>
+            <a:headEnd type="triangle"/>
+            <a:tailEnd type="none"/>
+          </a:ln>
+        </p:spPr>
+        <p:style>
+          <a:lnRef idx="1">
+            <a:schemeClr val="accent1"/>
+          </a:lnRef>
+          <a:fillRef idx="0">
+            <a:schemeClr val="accent1"/>
+          </a:fillRef>
+          <a:effectRef idx="0">
+            <a:schemeClr val="accent1"/>
+          </a:effectRef>
+          <a:fontRef idx="minor">
+            <a:schemeClr val="tx1"/>
+          </a:fontRef>
+        </p:style>
+      </p:cxnSp>
+      <p:sp>
+        <p:nvSpPr>
+          <p:cNvPr id="86" name="TextBox 85"/>
+          <p:cNvSpPr txBox="1"/>
+          <p:nvPr/>
+        </p:nvSpPr>
+        <p:spPr>
+          <a:xfrm>
+            <a:off x="7773185" y="1803479"/>
+            <a:ext cx="533400" cy="369332"/>
+          </a:xfrm>
+          <a:prstGeom prst="rect">
+            <a:avLst/>
+          </a:prstGeom>
+          <a:noFill/>
+        </p:spPr>
+        <p:txBody>
+          <a:bodyPr wrap="square" lIns="91440" tIns="45720" rIns="91440" bIns="45720" rtlCol="0">
+            <a:spAutoFit/>
+          </a:bodyPr>
+          <a:lstStyle/>
+          <a:p>
+            <a:r>
+              <a:rPr lang="en-US" sz="1800" dirty="0" smtClean="0"/>
+              <a:t>RX</a:t>
+            </a:r>
+            <a:endParaRPr lang="en-US" sz="1800" dirty="0"/>
+          </a:p>
+        </p:txBody>
+      </p:sp>
+      <p:sp>
+        <p:nvSpPr>
+          <p:cNvPr id="88" name="TextBox 87"/>
+          <p:cNvSpPr txBox="1"/>
+          <p:nvPr/>
+        </p:nvSpPr>
+        <p:spPr>
+          <a:xfrm>
+            <a:off x="6878289" y="1803479"/>
+            <a:ext cx="533400" cy="369332"/>
+          </a:xfrm>
+          <a:prstGeom prst="rect">
+            <a:avLst/>
+          </a:prstGeom>
+          <a:noFill/>
+        </p:spPr>
+        <p:txBody>
+          <a:bodyPr wrap="square" lIns="91440" tIns="45720" rIns="91440" bIns="45720" rtlCol="0">
+            <a:spAutoFit/>
+          </a:bodyPr>
+          <a:lstStyle/>
+          <a:p>
+            <a:pPr algn="r"/>
+            <a:r>
+              <a:rPr lang="en-US" sz="1800" dirty="0" smtClean="0"/>
+              <a:t>RX</a:t>
+            </a:r>
+            <a:endParaRPr lang="en-US" sz="1800" dirty="0"/>
+          </a:p>
+        </p:txBody>
+      </p:sp>
+      <p:cxnSp>
+        <p:nvCxnSpPr>
+          <p:cNvPr id="92" name="Straight Connector 91"/>
+          <p:cNvCxnSpPr>
+            <a:stCxn id="94" idx="3"/>
+            <a:endCxn id="93" idx="1"/>
+          </p:cNvCxnSpPr>
+          <p:nvPr/>
+        </p:nvCxnSpPr>
+        <p:spPr>
+          <a:xfrm>
+            <a:off x="7415227" y="2214976"/>
+            <a:ext cx="361496" cy="0"/>
+          </a:xfrm>
+          <a:prstGeom prst="line">
+            <a:avLst/>
+          </a:prstGeom>
+          <a:ln w="12700">
+            <a:solidFill>
+              <a:schemeClr val="tx1"/>
+            </a:solidFill>
+            <a:tailEnd type="triangle"/>
+          </a:ln>
+        </p:spPr>
+        <p:style>
+          <a:lnRef idx="1">
+            <a:schemeClr val="accent1"/>
+          </a:lnRef>
+          <a:fillRef idx="0">
+            <a:schemeClr val="accent1"/>
+          </a:fillRef>
+          <a:effectRef idx="0">
+            <a:schemeClr val="accent1"/>
+          </a:effectRef>
+          <a:fontRef idx="minor">
+            <a:schemeClr val="tx1"/>
+          </a:fontRef>
+        </p:style>
+      </p:cxnSp>
+      <p:sp>
+        <p:nvSpPr>
+          <p:cNvPr id="93" name="TextBox 92"/>
+          <p:cNvSpPr txBox="1"/>
+          <p:nvPr/>
+        </p:nvSpPr>
+        <p:spPr>
+          <a:xfrm>
+            <a:off x="7776723" y="2030310"/>
+            <a:ext cx="533400" cy="369332"/>
+          </a:xfrm>
+          <a:prstGeom prst="rect">
+            <a:avLst/>
+          </a:prstGeom>
+          <a:noFill/>
+        </p:spPr>
+        <p:txBody>
+          <a:bodyPr wrap="square" lIns="91440" tIns="45720" rIns="91440" bIns="45720" rtlCol="0">
+            <a:spAutoFit/>
+          </a:bodyPr>
+          <a:lstStyle/>
+          <a:p>
+            <a:r>
+              <a:rPr lang="en-US" sz="1800" dirty="0" smtClean="0"/>
+              <a:t>TX</a:t>
+            </a:r>
+            <a:endParaRPr lang="en-US" sz="1800" dirty="0"/>
+          </a:p>
+        </p:txBody>
+      </p:sp>
+      <p:sp>
+        <p:nvSpPr>
+          <p:cNvPr id="94" name="TextBox 93"/>
+          <p:cNvSpPr txBox="1"/>
+          <p:nvPr/>
+        </p:nvSpPr>
+        <p:spPr>
+          <a:xfrm>
+            <a:off x="6881827" y="2030310"/>
+            <a:ext cx="533400" cy="369332"/>
+          </a:xfrm>
+          <a:prstGeom prst="rect">
+            <a:avLst/>
+          </a:prstGeom>
+          <a:noFill/>
+        </p:spPr>
+        <p:txBody>
+          <a:bodyPr wrap="square" lIns="91440" tIns="45720" rIns="91440" bIns="45720" rtlCol="0">
+            <a:spAutoFit/>
+          </a:bodyPr>
+          <a:lstStyle/>
+          <a:p>
+            <a:pPr algn="r"/>
+            <a:r>
+              <a:rPr lang="en-US" sz="1800" dirty="0" smtClean="0"/>
+              <a:t>TX</a:t>
+            </a:r>
+            <a:endParaRPr lang="en-US" sz="1800" dirty="0"/>
+          </a:p>
+        </p:txBody>
+      </p:sp>
+      <p:cxnSp>
+        <p:nvCxnSpPr>
+          <p:cNvPr id="95" name="Straight Connector 94"/>
+          <p:cNvCxnSpPr>
+            <a:stCxn id="86" idx="3"/>
+          </p:cNvCxnSpPr>
+          <p:nvPr/>
+        </p:nvCxnSpPr>
+        <p:spPr>
+          <a:xfrm>
+            <a:off x="8306585" y="1988145"/>
+            <a:ext cx="767265" cy="0"/>
+          </a:xfrm>
+          <a:prstGeom prst="line">
+            <a:avLst/>
+          </a:prstGeom>
+          <a:ln w="12700">
+            <a:solidFill>
+              <a:schemeClr val="tx1"/>
+            </a:solidFill>
+            <a:tailEnd type="none"/>
+          </a:ln>
+        </p:spPr>
+        <p:style>
+          <a:lnRef idx="1">
+            <a:schemeClr val="accent1"/>
+          </a:lnRef>
+          <a:fillRef idx="0">
+            <a:schemeClr val="accent1"/>
+          </a:fillRef>
+          <a:effectRef idx="0">
+            <a:schemeClr val="accent1"/>
+          </a:effectRef>
+          <a:fontRef idx="minor">
+            <a:schemeClr val="tx1"/>
+          </a:fontRef>
+        </p:style>
+      </p:cxnSp>
+      <p:cxnSp>
+        <p:nvCxnSpPr>
+          <p:cNvPr id="98" name="Straight Connector 97"/>
+          <p:cNvCxnSpPr/>
+          <p:nvPr/>
+        </p:nvCxnSpPr>
+        <p:spPr>
+          <a:xfrm flipV="1">
+            <a:off x="8310123" y="2204205"/>
+            <a:ext cx="763727" cy="138"/>
+          </a:xfrm>
+          <a:prstGeom prst="line">
+            <a:avLst/>
+          </a:prstGeom>
+          <a:ln w="12700">
+            <a:solidFill>
+              <a:schemeClr val="tx1"/>
+            </a:solidFill>
+            <a:tailEnd type="none"/>
+          </a:ln>
+        </p:spPr>
+        <p:style>
+          <a:lnRef idx="1">
+            <a:schemeClr val="accent1"/>
+          </a:lnRef>
+          <a:fillRef idx="0">
+            <a:schemeClr val="accent1"/>
+          </a:fillRef>
+          <a:effectRef idx="0">
+            <a:schemeClr val="accent1"/>
+          </a:effectRef>
+          <a:fontRef idx="minor">
+            <a:schemeClr val="tx1"/>
+          </a:fontRef>
+        </p:style>
+      </p:cxnSp>
+      <p:cxnSp>
+        <p:nvCxnSpPr>
+          <p:cNvPr id="106" name="Straight Connector 105"/>
+          <p:cNvCxnSpPr/>
+          <p:nvPr/>
+        </p:nvCxnSpPr>
+        <p:spPr>
+          <a:xfrm flipV="1">
+            <a:off x="2217615" y="4505517"/>
+            <a:ext cx="506137" cy="1"/>
+          </a:xfrm>
+          <a:prstGeom prst="line">
+            <a:avLst/>
+          </a:prstGeom>
+          <a:ln w="50800">
+            <a:solidFill>
+              <a:schemeClr val="tx1"/>
+            </a:solidFill>
+            <a:tailEnd type="none"/>
+          </a:ln>
+        </p:spPr>
+        <p:style>
+          <a:lnRef idx="1">
+            <a:schemeClr val="accent1"/>
+          </a:lnRef>
+          <a:fillRef idx="0">
+            <a:schemeClr val="accent1"/>
+          </a:fillRef>
+          <a:effectRef idx="0">
+            <a:schemeClr val="accent1"/>
+          </a:effectRef>
+          <a:fontRef idx="minor">
+            <a:schemeClr val="tx1"/>
+          </a:fontRef>
+        </p:style>
+      </p:cxnSp>
+      <p:cxnSp>
+        <p:nvCxnSpPr>
+          <p:cNvPr id="110" name="Straight Connector 109"/>
+          <p:cNvCxnSpPr/>
+          <p:nvPr/>
+        </p:nvCxnSpPr>
+        <p:spPr>
+          <a:xfrm flipV="1">
+            <a:off x="2356366" y="2136278"/>
+            <a:ext cx="0" cy="2369240"/>
+          </a:xfrm>
+          <a:prstGeom prst="line">
+            <a:avLst/>
+          </a:prstGeom>
+          <a:ln w="50800">
+            <a:solidFill>
+              <a:schemeClr val="tx1"/>
+            </a:solidFill>
+            <a:tailEnd type="none"/>
+          </a:ln>
+        </p:spPr>
+        <p:style>
+          <a:lnRef idx="1">
+            <a:schemeClr val="accent1"/>
+          </a:lnRef>
+          <a:fillRef idx="0">
+            <a:schemeClr val="accent1"/>
+          </a:fillRef>
+          <a:effectRef idx="0">
+            <a:schemeClr val="accent1"/>
+          </a:effectRef>
+          <a:fontRef idx="minor">
+            <a:schemeClr val="tx1"/>
+          </a:fontRef>
+        </p:style>
+      </p:cxnSp>
+      <p:cxnSp>
+        <p:nvCxnSpPr>
+          <p:cNvPr id="112" name="Straight Connector 111"/>
+          <p:cNvCxnSpPr>
+            <a:endCxn id="7" idx="1"/>
+          </p:cNvCxnSpPr>
+          <p:nvPr/>
+        </p:nvCxnSpPr>
+        <p:spPr>
+          <a:xfrm>
+            <a:off x="2335100" y="2136277"/>
+            <a:ext cx="388652" cy="1"/>
+          </a:xfrm>
+          <a:prstGeom prst="line">
+            <a:avLst/>
+          </a:prstGeom>
+          <a:ln w="50800">
+            <a:solidFill>
+              <a:schemeClr val="tx1"/>
+            </a:solidFill>
+            <a:tailEnd type="none"/>
+          </a:ln>
+        </p:spPr>
+        <p:style>
+          <a:lnRef idx="1">
+            <a:schemeClr val="accent1"/>
+          </a:lnRef>
+          <a:fillRef idx="0">
+            <a:schemeClr val="accent1"/>
+          </a:fillRef>
+          <a:effectRef idx="0">
+            <a:schemeClr val="accent1"/>
+          </a:effectRef>
+          <a:fontRef idx="minor">
+            <a:schemeClr val="tx1"/>
+          </a:fontRef>
+        </p:style>
+      </p:cxnSp>
+      <p:sp>
+        <p:nvSpPr>
+          <p:cNvPr id="121" name="TextBox 120"/>
+          <p:cNvSpPr txBox="1"/>
+          <p:nvPr/>
+        </p:nvSpPr>
+        <p:spPr>
+          <a:xfrm>
+            <a:off x="8063814" y="3428941"/>
+            <a:ext cx="533400" cy="369332"/>
+          </a:xfrm>
+          <a:prstGeom prst="rect">
+            <a:avLst/>
+          </a:prstGeom>
+          <a:noFill/>
+        </p:spPr>
+        <p:txBody>
+          <a:bodyPr wrap="square" lIns="91440" tIns="45720" rIns="91440" bIns="45720" rtlCol="0">
+            <a:spAutoFit/>
+          </a:bodyPr>
+          <a:lstStyle/>
+          <a:p>
+            <a:pPr algn="r"/>
+            <a:r>
+              <a:rPr lang="en-US" sz="1800" dirty="0" err="1" smtClean="0"/>
+              <a:t>clk</a:t>
+            </a:r>
+            <a:endParaRPr lang="en-US" sz="1800" dirty="0"/>
+          </a:p>
+        </p:txBody>
+      </p:sp>
+      <p:sp>
+        <p:nvSpPr>
+          <p:cNvPr id="122" name="TextBox 121"/>
+          <p:cNvSpPr txBox="1"/>
+          <p:nvPr/>
+        </p:nvSpPr>
+        <p:spPr>
+          <a:xfrm>
+            <a:off x="7690983" y="3634506"/>
+            <a:ext cx="909769" cy="369332"/>
+          </a:xfrm>
+          <a:prstGeom prst="rect">
+            <a:avLst/>
+          </a:prstGeom>
+          <a:noFill/>
+        </p:spPr>
+        <p:txBody>
+          <a:bodyPr wrap="square" lIns="91440" tIns="45720" rIns="91440" bIns="45720" rtlCol="0">
+            <a:spAutoFit/>
+          </a:bodyPr>
+          <a:lstStyle/>
+          <a:p>
+            <a:pPr algn="r"/>
+            <a:r>
+              <a:rPr lang="en-US" sz="1800" dirty="0" err="1" smtClean="0"/>
+              <a:t>reset_n</a:t>
+            </a:r>
+            <a:endParaRPr lang="en-US" sz="1800" dirty="0"/>
+          </a:p>
+        </p:txBody>
+      </p:sp>
+      <p:cxnSp>
+        <p:nvCxnSpPr>
+          <p:cNvPr id="123" name="Straight Connector 122"/>
+          <p:cNvCxnSpPr/>
+          <p:nvPr/>
+        </p:nvCxnSpPr>
+        <p:spPr>
+          <a:xfrm>
+            <a:off x="8600752" y="3608975"/>
+            <a:ext cx="476636" cy="4633"/>
+          </a:xfrm>
+          <a:prstGeom prst="line">
+            <a:avLst/>
+          </a:prstGeom>
+          <a:ln w="12700">
+            <a:solidFill>
+              <a:schemeClr val="tx1"/>
+            </a:solidFill>
+            <a:tailEnd type="none"/>
+          </a:ln>
+        </p:spPr>
+        <p:style>
+          <a:lnRef idx="1">
+            <a:schemeClr val="accent1"/>
+          </a:lnRef>
+          <a:fillRef idx="0">
+            <a:schemeClr val="accent1"/>
+          </a:fillRef>
+          <a:effectRef idx="0">
+            <a:schemeClr val="accent1"/>
+          </a:effectRef>
+          <a:fontRef idx="minor">
+            <a:schemeClr val="tx1"/>
+          </a:fontRef>
+        </p:style>
+      </p:cxnSp>
+      <p:cxnSp>
+        <p:nvCxnSpPr>
+          <p:cNvPr id="124" name="Straight Connector 123"/>
+          <p:cNvCxnSpPr/>
+          <p:nvPr/>
+        </p:nvCxnSpPr>
+        <p:spPr>
+          <a:xfrm flipV="1">
+            <a:off x="8600752" y="3819036"/>
+            <a:ext cx="476636" cy="136"/>
+          </a:xfrm>
+          <a:prstGeom prst="line">
+            <a:avLst/>
+          </a:prstGeom>
+          <a:ln w="12700">
+            <a:solidFill>
+              <a:schemeClr val="tx1"/>
+            </a:solidFill>
+            <a:tailEnd type="none"/>
+          </a:ln>
+        </p:spPr>
+        <p:style>
+          <a:lnRef idx="1">
+            <a:schemeClr val="accent1"/>
+          </a:lnRef>
+          <a:fillRef idx="0">
+            <a:schemeClr val="accent1"/>
+          </a:fillRef>
+          <a:effectRef idx="0">
+            <a:schemeClr val="accent1"/>
+          </a:effectRef>
+          <a:fontRef idx="minor">
+            <a:schemeClr val="tx1"/>
+          </a:fontRef>
+        </p:style>
+      </p:cxnSp>
+      <p:sp>
+        <p:nvSpPr>
+          <p:cNvPr id="126" name="TextBox 125"/>
+          <p:cNvSpPr txBox="1"/>
+          <p:nvPr/>
+        </p:nvSpPr>
+        <p:spPr>
+          <a:xfrm>
+            <a:off x="8272608" y="3347365"/>
+            <a:ext cx="743014" cy="523220"/>
+          </a:xfrm>
+          <a:prstGeom prst="rect">
+            <a:avLst/>
+          </a:prstGeom>
+          <a:noFill/>
+        </p:spPr>
+        <p:txBody>
+          <a:bodyPr wrap="square" lIns="91440" tIns="45720" rIns="91440" bIns="45720" rtlCol="0">
+            <a:spAutoFit/>
+          </a:bodyPr>
+          <a:lstStyle/>
+          <a:p>
+            <a:pPr algn="r">
+              <a:spcBef>
+                <a:spcPts val="0"/>
+              </a:spcBef>
+            </a:pPr>
+            <a:r>
+              <a:rPr lang="en-US" sz="1400" dirty="0" smtClean="0"/>
+              <a:t>R4</a:t>
+            </a:r>
+          </a:p>
+          <a:p>
+            <a:pPr algn="r">
+              <a:spcBef>
+                <a:spcPts val="0"/>
+              </a:spcBef>
+            </a:pPr>
+            <a:r>
+              <a:rPr lang="en-US" sz="1400" dirty="0"/>
+              <a:t>G4</a:t>
+            </a:r>
+          </a:p>
+        </p:txBody>
+      </p:sp>
+      <p:sp>
+        <p:nvSpPr>
+          <p:cNvPr id="64" name="Slide Number Placeholder 3"/>
           <p:cNvSpPr>
             <a:spLocks noGrp="1"/>
           </p:cNvSpPr>
@@ -30684,10 +32910,110 @@
           </a:p>
         </p:txBody>
       </p:sp>
+      <p:cxnSp>
+        <p:nvCxnSpPr>
+          <p:cNvPr id="65" name="Straight Connector 64"/>
+          <p:cNvCxnSpPr>
+            <a:endCxn id="66" idx="1"/>
+          </p:cNvCxnSpPr>
+          <p:nvPr/>
+        </p:nvCxnSpPr>
+        <p:spPr>
+          <a:xfrm>
+            <a:off x="3628518" y="5364640"/>
+            <a:ext cx="2183483" cy="0"/>
+          </a:xfrm>
+          <a:prstGeom prst="line">
+            <a:avLst/>
+          </a:prstGeom>
+          <a:ln w="12700">
+            <a:solidFill>
+              <a:schemeClr val="tx1"/>
+            </a:solidFill>
+            <a:headEnd type="triangle"/>
+            <a:tailEnd type="none"/>
+          </a:ln>
+        </p:spPr>
+        <p:style>
+          <a:lnRef idx="1">
+            <a:schemeClr val="accent1"/>
+          </a:lnRef>
+          <a:fillRef idx="0">
+            <a:schemeClr val="accent1"/>
+          </a:fillRef>
+          <a:effectRef idx="0">
+            <a:schemeClr val="accent1"/>
+          </a:effectRef>
+          <a:fontRef idx="minor">
+            <a:schemeClr val="tx1"/>
+          </a:fontRef>
+        </p:style>
+      </p:cxnSp>
+      <p:sp>
+        <p:nvSpPr>
+          <p:cNvPr id="66" name="TextBox 65"/>
+          <p:cNvSpPr txBox="1"/>
+          <p:nvPr/>
+        </p:nvSpPr>
+        <p:spPr>
+          <a:xfrm>
+            <a:off x="5812001" y="5179974"/>
+            <a:ext cx="992856" cy="369332"/>
+          </a:xfrm>
+          <a:prstGeom prst="rect">
+            <a:avLst/>
+          </a:prstGeom>
+          <a:noFill/>
+        </p:spPr>
+        <p:txBody>
+          <a:bodyPr wrap="square" lIns="91440" tIns="45720" rIns="91440" bIns="45720" rtlCol="0">
+            <a:spAutoFit/>
+          </a:bodyPr>
+          <a:lstStyle/>
+          <a:p>
+            <a:r>
+              <a:rPr lang="en-US" sz="1800" dirty="0" smtClean="0"/>
+              <a:t>roll</a:t>
+            </a:r>
+            <a:endParaRPr lang="en-US" sz="1800" dirty="0"/>
+          </a:p>
+        </p:txBody>
+      </p:sp>
+      <p:sp>
+        <p:nvSpPr>
+          <p:cNvPr id="72" name="TextBox 71"/>
+          <p:cNvSpPr txBox="1"/>
+          <p:nvPr/>
+        </p:nvSpPr>
+        <p:spPr>
+          <a:xfrm>
+            <a:off x="4338671" y="5058118"/>
+            <a:ext cx="1446034" cy="338554"/>
+          </a:xfrm>
+          <a:prstGeom prst="rect">
+            <a:avLst/>
+          </a:prstGeom>
+          <a:noFill/>
+        </p:spPr>
+        <p:txBody>
+          <a:bodyPr wrap="square" lIns="91440" tIns="45720" rIns="91440" bIns="45720" rtlCol="0">
+            <a:spAutoFit/>
+          </a:bodyPr>
+          <a:lstStyle/>
+          <a:p>
+            <a:pPr algn="r"/>
+            <a:r>
+              <a:rPr lang="en-US" sz="1600" dirty="0" smtClean="0"/>
+              <a:t>slv_reg2</a:t>
+            </a:r>
+            <a:endParaRPr lang="en-US" sz="2000" dirty="0"/>
+          </a:p>
+        </p:txBody>
+      </p:sp>
     </p:spTree>
     <p:extLst>
       <p:ext uri="{BB962C8B-B14F-4D97-AF65-F5344CB8AC3E}">
-        <p14:creationId xmlns:p14="http://schemas.microsoft.com/office/powerpoint/2010/main" val="1345783736"/>
+        <p14:creationId xmlns:p14="http://schemas.microsoft.com/office/powerpoint/2010/main" val="2803992532"/>
       </p:ext>
     </p:extLst>
   </p:cSld>
@@ -30697,10 +33023,310 @@
   <p:timing>
     <p:tnLst>
       <p:par>
-        <p:cTn id="1" dur="indefinite" restart="never" nodeType="tmRoot"/>
+        <p:cTn id="1" dur="indefinite" restart="never" nodeType="tmRoot">
+          <p:childTnLst>
+            <p:seq concurrent="1" nextAc="seek">
+              <p:cTn id="2" dur="indefinite" nodeType="mainSeq">
+                <p:childTnLst>
+                  <p:par>
+                    <p:cTn id="3" fill="hold">
+                      <p:stCondLst>
+                        <p:cond delay="indefinite"/>
+                      </p:stCondLst>
+                      <p:childTnLst>
+                        <p:par>
+                          <p:cTn id="4" fill="hold">
+                            <p:stCondLst>
+                              <p:cond delay="0"/>
+                            </p:stCondLst>
+                            <p:childTnLst>
+                              <p:par>
+                                <p:cTn id="5" presetID="1" presetClass="entr" presetSubtype="0" fill="hold" grpId="0" nodeType="clickEffect">
+                                  <p:stCondLst>
+                                    <p:cond delay="0"/>
+                                  </p:stCondLst>
+                                  <p:childTnLst>
+                                    <p:set>
+                                      <p:cBhvr>
+                                        <p:cTn id="6" dur="1" fill="hold">
+                                          <p:stCondLst>
+                                            <p:cond delay="0"/>
+                                          </p:stCondLst>
+                                        </p:cTn>
+                                        <p:tgtEl>
+                                          <p:spTgt spid="72"/>
+                                        </p:tgtEl>
+                                        <p:attrNameLst>
+                                          <p:attrName>style.visibility</p:attrName>
+                                        </p:attrNameLst>
+                                      </p:cBhvr>
+                                      <p:to>
+                                        <p:strVal val="visible"/>
+                                      </p:to>
+                                    </p:set>
+                                  </p:childTnLst>
+                                </p:cTn>
+                              </p:par>
+                              <p:par>
+                                <p:cTn id="7" presetID="1" presetClass="entr" presetSubtype="0" fill="hold" grpId="0" nodeType="withEffect">
+                                  <p:stCondLst>
+                                    <p:cond delay="0"/>
+                                  </p:stCondLst>
+                                  <p:childTnLst>
+                                    <p:set>
+                                      <p:cBhvr>
+                                        <p:cTn id="8" dur="1" fill="hold">
+                                          <p:stCondLst>
+                                            <p:cond delay="0"/>
+                                          </p:stCondLst>
+                                        </p:cTn>
+                                        <p:tgtEl>
+                                          <p:spTgt spid="66"/>
+                                        </p:tgtEl>
+                                        <p:attrNameLst>
+                                          <p:attrName>style.visibility</p:attrName>
+                                        </p:attrNameLst>
+                                      </p:cBhvr>
+                                      <p:to>
+                                        <p:strVal val="visible"/>
+                                      </p:to>
+                                    </p:set>
+                                  </p:childTnLst>
+                                </p:cTn>
+                              </p:par>
+                              <p:par>
+                                <p:cTn id="9" presetID="1" presetClass="entr" presetSubtype="0" fill="hold" nodeType="withEffect">
+                                  <p:stCondLst>
+                                    <p:cond delay="0"/>
+                                  </p:stCondLst>
+                                  <p:childTnLst>
+                                    <p:set>
+                                      <p:cBhvr>
+                                        <p:cTn id="10" dur="1" fill="hold">
+                                          <p:stCondLst>
+                                            <p:cond delay="0"/>
+                                          </p:stCondLst>
+                                        </p:cTn>
+                                        <p:tgtEl>
+                                          <p:spTgt spid="65"/>
+                                        </p:tgtEl>
+                                        <p:attrNameLst>
+                                          <p:attrName>style.visibility</p:attrName>
+                                        </p:attrNameLst>
+                                      </p:cBhvr>
+                                      <p:to>
+                                        <p:strVal val="visible"/>
+                                      </p:to>
+                                    </p:set>
+                                  </p:childTnLst>
+                                </p:cTn>
+                              </p:par>
+                            </p:childTnLst>
+                          </p:cTn>
+                        </p:par>
+                      </p:childTnLst>
+                    </p:cTn>
+                  </p:par>
+                </p:childTnLst>
+              </p:cTn>
+              <p:prevCondLst>
+                <p:cond evt="onPrev" delay="0">
+                  <p:tgtEl>
+                    <p:sldTgt/>
+                  </p:tgtEl>
+                </p:cond>
+              </p:prevCondLst>
+              <p:nextCondLst>
+                <p:cond evt="onNext" delay="0">
+                  <p:tgtEl>
+                    <p:sldTgt/>
+                  </p:tgtEl>
+                </p:cond>
+              </p:nextCondLst>
+            </p:seq>
+          </p:childTnLst>
+        </p:cTn>
       </p:par>
     </p:tnLst>
+    <p:bldLst>
+      <p:bldP spid="66" grpId="0"/>
+      <p:bldP spid="72" grpId="0"/>
+    </p:bldLst>
   </p:timing>
+</p:sld>
+</file>
+
+<file path=ppt/slides/slide68.xml><?xml version="1.0" encoding="utf-8"?>
+<p:sld xmlns:a="http://schemas.openxmlformats.org/drawingml/2006/main" xmlns:r="http://schemas.openxmlformats.org/officeDocument/2006/relationships" xmlns:p="http://schemas.openxmlformats.org/presentationml/2006/main">
+  <p:cSld>
+    <p:spTree>
+      <p:nvGrpSpPr>
+        <p:cNvPr id="1" name=""/>
+        <p:cNvGrpSpPr/>
+        <p:nvPr/>
+      </p:nvGrpSpPr>
+      <p:grpSpPr>
+        <a:xfrm>
+          <a:off x="0" y="0"/>
+          <a:ext cx="0" cy="0"/>
+          <a:chOff x="0" y="0"/>
+          <a:chExt cx="0" cy="0"/>
+        </a:xfrm>
+      </p:grpSpPr>
+      <p:sp>
+        <p:nvSpPr>
+          <p:cNvPr id="2" name="Title 1"/>
+          <p:cNvSpPr>
+            <a:spLocks noGrp="1"/>
+          </p:cNvSpPr>
+          <p:nvPr>
+            <p:ph type="title"/>
+          </p:nvPr>
+        </p:nvSpPr>
+        <p:spPr/>
+        <p:txBody>
+          <a:bodyPr/>
+          <a:lstStyle/>
+          <a:p>
+            <a:r>
+              <a:rPr lang="en-US" dirty="0" smtClean="0"/>
+              <a:t>Now try HW#10</a:t>
+            </a:r>
+            <a:endParaRPr lang="en-US" dirty="0"/>
+          </a:p>
+        </p:txBody>
+      </p:sp>
+      <p:sp>
+        <p:nvSpPr>
+          <p:cNvPr id="3" name="Content Placeholder 2"/>
+          <p:cNvSpPr>
+            <a:spLocks noGrp="1"/>
+          </p:cNvSpPr>
+          <p:nvPr>
+            <p:ph idx="1"/>
+          </p:nvPr>
+        </p:nvSpPr>
+        <p:spPr/>
+        <p:txBody>
+          <a:bodyPr/>
+          <a:lstStyle/>
+          <a:p>
+            <a:endParaRPr lang="en-US" dirty="0"/>
+          </a:p>
+        </p:txBody>
+      </p:sp>
+      <p:sp>
+        <p:nvSpPr>
+          <p:cNvPr id="4" name="Slide Number Placeholder 3"/>
+          <p:cNvSpPr>
+            <a:spLocks noGrp="1"/>
+          </p:cNvSpPr>
+          <p:nvPr>
+            <p:ph type="sldNum" sz="quarter" idx="10"/>
+          </p:nvPr>
+        </p:nvSpPr>
+        <p:spPr/>
+        <p:txBody>
+          <a:bodyPr/>
+          <a:lstStyle/>
+          <a:p>
+            <a:pPr>
+              <a:defRPr/>
+            </a:pPr>
+            <a:fld id="{62D6D4B2-7611-498F-8780-1EDC26277454}" type="slidenum">
+              <a:rPr lang="en-US" smtClean="0">
+                <a:solidFill>
+                  <a:srgbClr val="000000"/>
+                </a:solidFill>
+              </a:rPr>
+              <a:pPr>
+                <a:defRPr/>
+              </a:pPr>
+              <a:t>68</a:t>
+            </a:fld>
+            <a:endParaRPr lang="en-US" dirty="0">
+              <a:solidFill>
+                <a:srgbClr val="000000"/>
+              </a:solidFill>
+            </a:endParaRPr>
+          </a:p>
+        </p:txBody>
+      </p:sp>
+      <p:sp>
+        <p:nvSpPr>
+          <p:cNvPr id="5" name="Date Placeholder 4"/>
+          <p:cNvSpPr>
+            <a:spLocks noGrp="1"/>
+          </p:cNvSpPr>
+          <p:nvPr>
+            <p:ph type="dt" sz="half" idx="11"/>
+          </p:nvPr>
+        </p:nvSpPr>
+        <p:spPr/>
+        <p:txBody>
+          <a:bodyPr/>
+          <a:lstStyle/>
+          <a:p>
+            <a:pPr fontAlgn="auto">
+              <a:spcBef>
+                <a:spcPts val="0"/>
+              </a:spcBef>
+              <a:spcAft>
+                <a:spcPts val="0"/>
+              </a:spcAft>
+              <a:defRPr/>
+            </a:pPr>
+            <a:endParaRPr lang="en-US" sz="1800" smtClean="0">
+              <a:solidFill>
+                <a:srgbClr val="000000"/>
+              </a:solidFill>
+            </a:endParaRPr>
+          </a:p>
+          <a:p>
+            <a:pPr fontAlgn="auto">
+              <a:spcBef>
+                <a:spcPts val="0"/>
+              </a:spcBef>
+              <a:spcAft>
+                <a:spcPts val="0"/>
+              </a:spcAft>
+              <a:defRPr/>
+            </a:pPr>
+            <a:fld id="{D957A480-45FD-4E4A-ABAC-1E7EB071E91C}" type="datetime3">
+              <a:rPr lang="en-US" sz="1800" smtClean="0">
+                <a:solidFill>
+                  <a:srgbClr val="000000"/>
+                </a:solidFill>
+              </a:rPr>
+              <a:pPr fontAlgn="auto">
+                <a:spcBef>
+                  <a:spcPts val="0"/>
+                </a:spcBef>
+                <a:spcAft>
+                  <a:spcPts val="0"/>
+                </a:spcAft>
+                <a:defRPr/>
+              </a:pPr>
+              <a:t>25 February 2018</a:t>
+            </a:fld>
+            <a:endParaRPr lang="en-US" sz="1800">
+              <a:solidFill>
+                <a:srgbClr val="000000"/>
+              </a:solidFill>
+            </a:endParaRPr>
+          </a:p>
+        </p:txBody>
+      </p:sp>
+    </p:spTree>
+    <p:extLst>
+      <p:ext uri="{BB962C8B-B14F-4D97-AF65-F5344CB8AC3E}">
+        <p14:creationId xmlns:p14="http://schemas.microsoft.com/office/powerpoint/2010/main" val="269818905"/>
+      </p:ext>
+    </p:extLst>
+  </p:cSld>
+  <p:clrMapOvr>
+    <a:masterClrMapping/>
+  </p:clrMapOvr>
 </p:sld>
 </file>
 

--- a/lecture/slides/ECE_383_Lec18_2018.pptx
+++ b/lecture/slides/ECE_383_Lec18_2018.pptx
@@ -6,10 +6,10 @@
     <p:sldMasterId id="2147483687" r:id="rId2"/>
   </p:sldMasterIdLst>
   <p:notesMasterIdLst>
-    <p:notesMasterId r:id="rId71"/>
+    <p:notesMasterId r:id="rId72"/>
   </p:notesMasterIdLst>
   <p:handoutMasterIdLst>
-    <p:handoutMasterId r:id="rId72"/>
+    <p:handoutMasterId r:id="rId73"/>
   </p:handoutMasterIdLst>
   <p:sldIdLst>
     <p:sldId id="433" r:id="rId3"/>
@@ -80,6 +80,7 @@
     <p:sldId id="489" r:id="rId68"/>
     <p:sldId id="493" r:id="rId69"/>
     <p:sldId id="491" r:id="rId70"/>
+    <p:sldId id="494" r:id="rId71"/>
   </p:sldIdLst>
   <p:sldSz cx="9144000" cy="6858000" type="screen4x3"/>
   <p:notesSz cx="6985000" cy="9283700"/>
@@ -17702,15 +17703,7 @@
             </a:r>
             <a:r>
               <a:rPr lang="en-US" b="0" dirty="0" smtClean="0"/>
-              <a:t>      button to add </a:t>
-            </a:r>
-            <a:r>
-              <a:rPr lang="en-US" b="0" dirty="0" smtClean="0"/>
-              <a:t>your</a:t>
-            </a:r>
-            <a:r>
-              <a:rPr lang="en-US" b="0" dirty="0" smtClean="0"/>
-              <a:t> </a:t>
+              <a:t>      button to add your </a:t>
             </a:r>
             <a:r>
               <a:rPr lang="en-US" dirty="0" err="1" smtClean="0"/>
@@ -18000,11 +17993,7 @@
             </a:br>
             <a:r>
               <a:rPr lang="en-US" dirty="0" smtClean="0"/>
-              <a:t>what you are building </a:t>
-            </a:r>
-            <a:r>
-              <a:rPr lang="en-US" dirty="0" smtClean="0"/>
-              <a:t>today</a:t>
+              <a:t>what you are building today</a:t>
             </a:r>
             <a:br>
               <a:rPr lang="en-US" dirty="0" smtClean="0"/>
@@ -21789,11 +21778,7 @@
           <a:p>
             <a:r>
               <a:rPr lang="en-US" b="0" dirty="0" smtClean="0"/>
-              <a:t>click </a:t>
-            </a:r>
-            <a:r>
-              <a:rPr lang="en-US" b="0" dirty="0" smtClean="0"/>
-              <a:t>on </a:t>
+              <a:t>click on </a:t>
             </a:r>
             <a:r>
               <a:rPr lang="en-US" dirty="0" err="1" smtClean="0"/>
@@ -33206,11 +33191,25 @@
             <p:ph idx="1"/>
           </p:nvPr>
         </p:nvSpPr>
-        <p:spPr/>
+        <p:spPr>
+          <a:xfrm>
+            <a:off x="196251" y="1524000"/>
+            <a:ext cx="8131175" cy="4324350"/>
+          </a:xfrm>
+        </p:spPr>
         <p:txBody>
           <a:bodyPr/>
           <a:lstStyle/>
           <a:p>
+            <a:r>
+              <a:rPr lang="en-US" dirty="0" smtClean="0"/>
+              <a:t>Hints</a:t>
+            </a:r>
+          </a:p>
+          <a:p>
+            <a:pPr marL="0" indent="0">
+              <a:buNone/>
+            </a:pPr>
             <a:endParaRPr lang="en-US" dirty="0"/>
           </a:p>
         </p:txBody>
@@ -33317,10 +33316,270 @@
           </a:p>
         </p:txBody>
       </p:sp>
+      <p:pic>
+        <p:nvPicPr>
+          <p:cNvPr id="6" name="Picture 5"/>
+          <p:cNvPicPr>
+            <a:picLocks noChangeAspect="1"/>
+          </p:cNvPicPr>
+          <p:nvPr/>
+        </p:nvPicPr>
+        <p:blipFill>
+          <a:blip r:embed="rId2"/>
+          <a:stretch>
+            <a:fillRect/>
+          </a:stretch>
+        </p:blipFill>
+        <p:spPr>
+          <a:xfrm>
+            <a:off x="391475" y="2007810"/>
+            <a:ext cx="5945652" cy="1195110"/>
+          </a:xfrm>
+          <a:prstGeom prst="rect">
+            <a:avLst/>
+          </a:prstGeom>
+        </p:spPr>
+      </p:pic>
+      <p:pic>
+        <p:nvPicPr>
+          <p:cNvPr id="7" name="Picture 6"/>
+          <p:cNvPicPr>
+            <a:picLocks noChangeAspect="1"/>
+          </p:cNvPicPr>
+          <p:nvPr/>
+        </p:nvPicPr>
+        <p:blipFill>
+          <a:blip r:embed="rId3"/>
+          <a:stretch>
+            <a:fillRect/>
+          </a:stretch>
+        </p:blipFill>
+        <p:spPr>
+          <a:xfrm>
+            <a:off x="391475" y="3327744"/>
+            <a:ext cx="5945652" cy="2730156"/>
+          </a:xfrm>
+          <a:prstGeom prst="rect">
+            <a:avLst/>
+          </a:prstGeom>
+        </p:spPr>
+      </p:pic>
     </p:spTree>
     <p:extLst>
       <p:ext uri="{BB962C8B-B14F-4D97-AF65-F5344CB8AC3E}">
         <p14:creationId xmlns:p14="http://schemas.microsoft.com/office/powerpoint/2010/main" val="269818905"/>
+      </p:ext>
+    </p:extLst>
+  </p:cSld>
+  <p:clrMapOvr>
+    <a:masterClrMapping/>
+  </p:clrMapOvr>
+</p:sld>
+</file>
+
+<file path=ppt/slides/slide69.xml><?xml version="1.0" encoding="utf-8"?>
+<p:sld xmlns:a="http://schemas.openxmlformats.org/drawingml/2006/main" xmlns:r="http://schemas.openxmlformats.org/officeDocument/2006/relationships" xmlns:p="http://schemas.openxmlformats.org/presentationml/2006/main">
+  <p:cSld>
+    <p:spTree>
+      <p:nvGrpSpPr>
+        <p:cNvPr id="1" name=""/>
+        <p:cNvGrpSpPr/>
+        <p:nvPr/>
+      </p:nvGrpSpPr>
+      <p:grpSpPr>
+        <a:xfrm>
+          <a:off x="0" y="0"/>
+          <a:ext cx="0" cy="0"/>
+          <a:chOff x="0" y="0"/>
+          <a:chExt cx="0" cy="0"/>
+        </a:xfrm>
+      </p:grpSpPr>
+      <p:sp>
+        <p:nvSpPr>
+          <p:cNvPr id="2" name="Title 1"/>
+          <p:cNvSpPr>
+            <a:spLocks noGrp="1"/>
+          </p:cNvSpPr>
+          <p:nvPr>
+            <p:ph type="title"/>
+          </p:nvPr>
+        </p:nvSpPr>
+        <p:spPr/>
+        <p:txBody>
+          <a:bodyPr/>
+          <a:lstStyle/>
+          <a:p>
+            <a:r>
+              <a:rPr lang="en-US" dirty="0" smtClean="0"/>
+              <a:t>Now try HW#10</a:t>
+            </a:r>
+            <a:endParaRPr lang="en-US" dirty="0"/>
+          </a:p>
+        </p:txBody>
+      </p:sp>
+      <p:sp>
+        <p:nvSpPr>
+          <p:cNvPr id="3" name="Content Placeholder 2"/>
+          <p:cNvSpPr>
+            <a:spLocks noGrp="1"/>
+          </p:cNvSpPr>
+          <p:nvPr>
+            <p:ph idx="1"/>
+          </p:nvPr>
+        </p:nvSpPr>
+        <p:spPr>
+          <a:xfrm>
+            <a:off x="196251" y="1524000"/>
+            <a:ext cx="8131175" cy="4324350"/>
+          </a:xfrm>
+        </p:spPr>
+        <p:txBody>
+          <a:bodyPr/>
+          <a:lstStyle/>
+          <a:p>
+            <a:r>
+              <a:rPr lang="en-US" dirty="0" smtClean="0"/>
+              <a:t>More Hints</a:t>
+            </a:r>
+          </a:p>
+          <a:p>
+            <a:pPr marL="0" indent="0">
+              <a:buNone/>
+            </a:pPr>
+            <a:endParaRPr lang="en-US" dirty="0"/>
+          </a:p>
+        </p:txBody>
+      </p:sp>
+      <p:sp>
+        <p:nvSpPr>
+          <p:cNvPr id="4" name="Slide Number Placeholder 3"/>
+          <p:cNvSpPr>
+            <a:spLocks noGrp="1"/>
+          </p:cNvSpPr>
+          <p:nvPr>
+            <p:ph type="sldNum" sz="quarter" idx="10"/>
+          </p:nvPr>
+        </p:nvSpPr>
+        <p:spPr/>
+        <p:txBody>
+          <a:bodyPr/>
+          <a:lstStyle/>
+          <a:p>
+            <a:pPr>
+              <a:defRPr/>
+            </a:pPr>
+            <a:fld id="{62D6D4B2-7611-498F-8780-1EDC26277454}" type="slidenum">
+              <a:rPr lang="en-US" smtClean="0">
+                <a:solidFill>
+                  <a:srgbClr val="000000"/>
+                </a:solidFill>
+              </a:rPr>
+              <a:pPr>
+                <a:defRPr/>
+              </a:pPr>
+              <a:t>69</a:t>
+            </a:fld>
+            <a:endParaRPr lang="en-US" dirty="0">
+              <a:solidFill>
+                <a:srgbClr val="000000"/>
+              </a:solidFill>
+            </a:endParaRPr>
+          </a:p>
+        </p:txBody>
+      </p:sp>
+      <p:sp>
+        <p:nvSpPr>
+          <p:cNvPr id="5" name="Date Placeholder 4"/>
+          <p:cNvSpPr>
+            <a:spLocks noGrp="1"/>
+          </p:cNvSpPr>
+          <p:nvPr>
+            <p:ph type="dt" sz="half" idx="11"/>
+          </p:nvPr>
+        </p:nvSpPr>
+        <p:spPr/>
+        <p:txBody>
+          <a:bodyPr/>
+          <a:lstStyle/>
+          <a:p>
+            <a:pPr fontAlgn="auto">
+              <a:spcBef>
+                <a:spcPts val="0"/>
+              </a:spcBef>
+              <a:spcAft>
+                <a:spcPts val="0"/>
+              </a:spcAft>
+              <a:defRPr/>
+            </a:pPr>
+            <a:endParaRPr lang="en-US" sz="1800" smtClean="0">
+              <a:solidFill>
+                <a:srgbClr val="000000"/>
+              </a:solidFill>
+            </a:endParaRPr>
+          </a:p>
+          <a:p>
+            <a:pPr fontAlgn="auto">
+              <a:spcBef>
+                <a:spcPts val="0"/>
+              </a:spcBef>
+              <a:spcAft>
+                <a:spcPts val="0"/>
+              </a:spcAft>
+              <a:defRPr/>
+            </a:pPr>
+            <a:fld id="{D957A480-45FD-4E4A-ABAC-1E7EB071E91C}" type="datetime3">
+              <a:rPr lang="en-US" sz="1800" smtClean="0">
+                <a:solidFill>
+                  <a:srgbClr val="000000"/>
+                </a:solidFill>
+              </a:rPr>
+              <a:pPr fontAlgn="auto">
+                <a:spcBef>
+                  <a:spcPts val="0"/>
+                </a:spcBef>
+                <a:spcAft>
+                  <a:spcPts val="0"/>
+                </a:spcAft>
+                <a:defRPr/>
+              </a:pPr>
+              <a:t>25 February 2018</a:t>
+            </a:fld>
+            <a:endParaRPr lang="en-US" sz="1800">
+              <a:solidFill>
+                <a:srgbClr val="000000"/>
+              </a:solidFill>
+            </a:endParaRPr>
+          </a:p>
+        </p:txBody>
+      </p:sp>
+      <p:pic>
+        <p:nvPicPr>
+          <p:cNvPr id="8" name="Picture 7"/>
+          <p:cNvPicPr>
+            <a:picLocks noChangeAspect="1"/>
+          </p:cNvPicPr>
+          <p:nvPr/>
+        </p:nvPicPr>
+        <p:blipFill>
+          <a:blip r:embed="rId2"/>
+          <a:stretch>
+            <a:fillRect/>
+          </a:stretch>
+        </p:blipFill>
+        <p:spPr>
+          <a:xfrm>
+            <a:off x="951289" y="2346632"/>
+            <a:ext cx="5945652" cy="1256085"/>
+          </a:xfrm>
+          <a:prstGeom prst="rect">
+            <a:avLst/>
+          </a:prstGeom>
+        </p:spPr>
+      </p:pic>
+    </p:spTree>
+    <p:extLst>
+      <p:ext uri="{BB962C8B-B14F-4D97-AF65-F5344CB8AC3E}">
+        <p14:creationId xmlns:p14="http://schemas.microsoft.com/office/powerpoint/2010/main" val="1185023416"/>
       </p:ext>
     </p:extLst>
   </p:cSld>
